--- a/presentation.pptx
+++ b/presentation.pptx
@@ -11,8 +11,10 @@
     <p:sldId id="258" r:id="rId5"/>
     <p:sldId id="259" r:id="rId6"/>
     <p:sldId id="260" r:id="rId7"/>
-    <p:sldId id="261" r:id="rId8"/>
-    <p:sldId id="262" r:id="rId9"/>
+    <p:sldId id="262" r:id="rId8"/>
+    <p:sldId id="263" r:id="rId9"/>
+    <p:sldId id="264" r:id="rId10"/>
+    <p:sldId id="265" r:id="rId11"/>
   </p:sldIdLst>
   <p:sldSz cx="12192000" cy="6858000"/>
   <p:notesSz cx="6858000" cy="9144000"/>
@@ -111,6 +113,11 @@
       </a:defRPr>
     </a:lvl9pPr>
   </p:defaultTextStyle>
+  <p:extLst>
+    <p:ext uri="{EFAFB233-063F-42B5-8137-9DF3F51BA10A}">
+      <p15:sldGuideLst xmlns:p15="http://schemas.microsoft.com/office/powerpoint/2012/main"/>
+    </p:ext>
+  </p:extLst>
 </p:presentation>
 </file>
 
@@ -4244,7 +4251,7 @@
           <a:p>
             <a:fld id="{505F8BF2-2E74-4029-BB7C-3BED40F1067E}" type="datetimeFigureOut">
               <a:rPr lang="he-IL" smtClean="0"/>
-              <a:t>כ"ד/אדר ב/תשפ"ב</a:t>
+              <a:t>כ"ו/אדר ב/תשפ"ב</a:t>
             </a:fld>
             <a:endParaRPr lang="he-IL"/>
           </a:p>
@@ -4556,7 +4563,7 @@
           <a:p>
             <a:fld id="{505F8BF2-2E74-4029-BB7C-3BED40F1067E}" type="datetimeFigureOut">
               <a:rPr lang="he-IL" smtClean="0"/>
-              <a:t>כ"ד/אדר ב/תשפ"ב</a:t>
+              <a:t>כ"ו/אדר ב/תשפ"ב</a:t>
             </a:fld>
             <a:endParaRPr lang="he-IL"/>
           </a:p>
@@ -4778,7 +4785,7 @@
           <a:p>
             <a:fld id="{505F8BF2-2E74-4029-BB7C-3BED40F1067E}" type="datetimeFigureOut">
               <a:rPr lang="he-IL" smtClean="0"/>
-              <a:t>כ"ד/אדר ב/תשפ"ב</a:t>
+              <a:t>כ"ו/אדר ב/תשפ"ב</a:t>
             </a:fld>
             <a:endParaRPr lang="he-IL"/>
           </a:p>
@@ -5069,7 +5076,7 @@
           <a:p>
             <a:fld id="{505F8BF2-2E74-4029-BB7C-3BED40F1067E}" type="datetimeFigureOut">
               <a:rPr lang="he-IL" smtClean="0"/>
-              <a:t>כ"ד/אדר ב/תשפ"ב</a:t>
+              <a:t>כ"ו/אדר ב/תשפ"ב</a:t>
             </a:fld>
             <a:endParaRPr lang="he-IL"/>
           </a:p>
@@ -5523,7 +5530,7 @@
           <a:p>
             <a:fld id="{505F8BF2-2E74-4029-BB7C-3BED40F1067E}" type="datetimeFigureOut">
               <a:rPr lang="he-IL" smtClean="0"/>
-              <a:t>כ"ד/אדר ב/תשפ"ב</a:t>
+              <a:t>כ"ו/אדר ב/תשפ"ב</a:t>
             </a:fld>
             <a:endParaRPr lang="he-IL"/>
           </a:p>
@@ -6099,7 +6106,7 @@
           <a:p>
             <a:fld id="{505F8BF2-2E74-4029-BB7C-3BED40F1067E}" type="datetimeFigureOut">
               <a:rPr lang="he-IL" smtClean="0"/>
-              <a:t>כ"ד/אדר ב/תשפ"ב</a:t>
+              <a:t>כ"ו/אדר ב/תשפ"ב</a:t>
             </a:fld>
             <a:endParaRPr lang="he-IL"/>
           </a:p>
@@ -6951,7 +6958,7 @@
           <a:p>
             <a:fld id="{505F8BF2-2E74-4029-BB7C-3BED40F1067E}" type="datetimeFigureOut">
               <a:rPr lang="he-IL" smtClean="0"/>
-              <a:t>כ"ד/אדר ב/תשפ"ב</a:t>
+              <a:t>כ"ו/אדר ב/תשפ"ב</a:t>
             </a:fld>
             <a:endParaRPr lang="he-IL"/>
           </a:p>
@@ -7156,7 +7163,7 @@
           <a:p>
             <a:fld id="{505F8BF2-2E74-4029-BB7C-3BED40F1067E}" type="datetimeFigureOut">
               <a:rPr lang="he-IL" smtClean="0"/>
-              <a:t>כ"ד/אדר ב/תשפ"ב</a:t>
+              <a:t>כ"ו/אדר ב/תשפ"ב</a:t>
             </a:fld>
             <a:endParaRPr lang="he-IL"/>
           </a:p>
@@ -7370,7 +7377,7 @@
           <a:p>
             <a:fld id="{505F8BF2-2E74-4029-BB7C-3BED40F1067E}" type="datetimeFigureOut">
               <a:rPr lang="he-IL" smtClean="0"/>
-              <a:t>כ"ד/אדר ב/תשפ"ב</a:t>
+              <a:t>כ"ו/אדר ב/תשפ"ב</a:t>
             </a:fld>
             <a:endParaRPr lang="he-IL"/>
           </a:p>
@@ -7556,7 +7563,7 @@
           <a:p>
             <a:fld id="{505F8BF2-2E74-4029-BB7C-3BED40F1067E}" type="datetimeFigureOut">
               <a:rPr lang="he-IL" smtClean="0"/>
-              <a:t>כ"ד/אדר ב/תשפ"ב</a:t>
+              <a:t>כ"ו/אדר ב/תשפ"ב</a:t>
             </a:fld>
             <a:endParaRPr lang="he-IL"/>
           </a:p>
@@ -7776,7 +7783,7 @@
           <a:p>
             <a:fld id="{505F8BF2-2E74-4029-BB7C-3BED40F1067E}" type="datetimeFigureOut">
               <a:rPr lang="he-IL" smtClean="0"/>
-              <a:t>כ"ד/אדר ב/תשפ"ב</a:t>
+              <a:t>כ"ו/אדר ב/תשפ"ב</a:t>
             </a:fld>
             <a:endParaRPr lang="he-IL"/>
           </a:p>
@@ -7993,7 +8000,7 @@
           <a:p>
             <a:fld id="{505F8BF2-2E74-4029-BB7C-3BED40F1067E}" type="datetimeFigureOut">
               <a:rPr lang="he-IL" smtClean="0"/>
-              <a:t>כ"ד/אדר ב/תשפ"ב</a:t>
+              <a:t>כ"ו/אדר ב/תשפ"ב</a:t>
             </a:fld>
             <a:endParaRPr lang="he-IL"/>
           </a:p>
@@ -8179,7 +8186,7 @@
           <a:p>
             <a:fld id="{505F8BF2-2E74-4029-BB7C-3BED40F1067E}" type="datetimeFigureOut">
               <a:rPr lang="he-IL" smtClean="0"/>
-              <a:t>כ"ד/אדר ב/תשפ"ב</a:t>
+              <a:t>כ"ו/אדר ב/תשפ"ב</a:t>
             </a:fld>
             <a:endParaRPr lang="he-IL"/>
           </a:p>
@@ -8454,7 +8461,7 @@
           <a:p>
             <a:fld id="{505F8BF2-2E74-4029-BB7C-3BED40F1067E}" type="datetimeFigureOut">
               <a:rPr lang="he-IL" smtClean="0"/>
-              <a:t>כ"ד/אדר ב/תשפ"ב</a:t>
+              <a:t>כ"ו/אדר ב/תשפ"ב</a:t>
             </a:fld>
             <a:endParaRPr lang="he-IL"/>
           </a:p>
@@ -8719,7 +8726,7 @@
           <a:p>
             <a:fld id="{505F8BF2-2E74-4029-BB7C-3BED40F1067E}" type="datetimeFigureOut">
               <a:rPr lang="he-IL" smtClean="0"/>
-              <a:t>כ"ד/אדר ב/תשפ"ב</a:t>
+              <a:t>כ"ו/אדר ב/תשפ"ב</a:t>
             </a:fld>
             <a:endParaRPr lang="he-IL"/>
           </a:p>
@@ -9131,7 +9138,7 @@
           <a:p>
             <a:fld id="{505F8BF2-2E74-4029-BB7C-3BED40F1067E}" type="datetimeFigureOut">
               <a:rPr lang="he-IL" smtClean="0"/>
-              <a:t>כ"ד/אדר ב/תשפ"ב</a:t>
+              <a:t>כ"ו/אדר ב/תשפ"ב</a:t>
             </a:fld>
             <a:endParaRPr lang="he-IL"/>
           </a:p>
@@ -9272,7 +9279,7 @@
           <a:p>
             <a:fld id="{505F8BF2-2E74-4029-BB7C-3BED40F1067E}" type="datetimeFigureOut">
               <a:rPr lang="he-IL" smtClean="0"/>
-              <a:t>כ"ד/אדר ב/תשפ"ב</a:t>
+              <a:t>כ"ו/אדר ב/תשפ"ב</a:t>
             </a:fld>
             <a:endParaRPr lang="he-IL"/>
           </a:p>
@@ -9385,7 +9392,7 @@
           <a:p>
             <a:fld id="{505F8BF2-2E74-4029-BB7C-3BED40F1067E}" type="datetimeFigureOut">
               <a:rPr lang="he-IL" smtClean="0"/>
-              <a:t>כ"ד/אדר ב/תשפ"ב</a:t>
+              <a:t>כ"ו/אדר ב/תשפ"ב</a:t>
             </a:fld>
             <a:endParaRPr lang="he-IL"/>
           </a:p>
@@ -9696,7 +9703,7 @@
           <a:p>
             <a:fld id="{505F8BF2-2E74-4029-BB7C-3BED40F1067E}" type="datetimeFigureOut">
               <a:rPr lang="he-IL" smtClean="0"/>
-              <a:t>כ"ד/אדר ב/תשפ"ב</a:t>
+              <a:t>כ"ו/אדר ב/תשפ"ב</a:t>
             </a:fld>
             <a:endParaRPr lang="he-IL"/>
           </a:p>
@@ -9984,7 +9991,7 @@
           <a:p>
             <a:fld id="{505F8BF2-2E74-4029-BB7C-3BED40F1067E}" type="datetimeFigureOut">
               <a:rPr lang="he-IL" smtClean="0"/>
-              <a:t>כ"ד/אדר ב/תשפ"ב</a:t>
+              <a:t>כ"ו/אדר ב/תשפ"ב</a:t>
             </a:fld>
             <a:endParaRPr lang="he-IL"/>
           </a:p>
@@ -10182,7 +10189,7 @@
           <a:p>
             <a:fld id="{505F8BF2-2E74-4029-BB7C-3BED40F1067E}" type="datetimeFigureOut">
               <a:rPr lang="he-IL" smtClean="0"/>
-              <a:t>כ"ד/אדר ב/תשפ"ב</a:t>
+              <a:t>כ"ו/אדר ב/תשפ"ב</a:t>
             </a:fld>
             <a:endParaRPr lang="he-IL"/>
           </a:p>
@@ -10390,7 +10397,7 @@
           <a:p>
             <a:fld id="{505F8BF2-2E74-4029-BB7C-3BED40F1067E}" type="datetimeFigureOut">
               <a:rPr lang="he-IL" smtClean="0"/>
-              <a:t>כ"ד/אדר ב/תשפ"ב</a:t>
+              <a:t>כ"ו/אדר ב/תשפ"ב</a:t>
             </a:fld>
             <a:endParaRPr lang="he-IL"/>
           </a:p>
@@ -10682,7 +10689,7 @@
           <a:p>
             <a:fld id="{505F8BF2-2E74-4029-BB7C-3BED40F1067E}" type="datetimeFigureOut">
               <a:rPr lang="he-IL" smtClean="0"/>
-              <a:t>כ"ד/אדר ב/תשפ"ב</a:t>
+              <a:t>כ"ו/אדר ב/תשפ"ב</a:t>
             </a:fld>
             <a:endParaRPr lang="he-IL"/>
           </a:p>
@@ -10949,7 +10956,7 @@
           <a:p>
             <a:fld id="{505F8BF2-2E74-4029-BB7C-3BED40F1067E}" type="datetimeFigureOut">
               <a:rPr lang="he-IL" smtClean="0"/>
-              <a:t>כ"ד/אדר ב/תשפ"ב</a:t>
+              <a:t>כ"ו/אדר ב/תשפ"ב</a:t>
             </a:fld>
             <a:endParaRPr lang="he-IL"/>
           </a:p>
@@ -11364,7 +11371,7 @@
           <a:p>
             <a:fld id="{505F8BF2-2E74-4029-BB7C-3BED40F1067E}" type="datetimeFigureOut">
               <a:rPr lang="he-IL" smtClean="0"/>
-              <a:t>כ"ד/אדר ב/תשפ"ב</a:t>
+              <a:t>כ"ו/אדר ב/תשפ"ב</a:t>
             </a:fld>
             <a:endParaRPr lang="he-IL"/>
           </a:p>
@@ -11512,7 +11519,7 @@
           <a:p>
             <a:fld id="{505F8BF2-2E74-4029-BB7C-3BED40F1067E}" type="datetimeFigureOut">
               <a:rPr lang="he-IL" smtClean="0"/>
-              <a:t>כ"ד/אדר ב/תשפ"ב</a:t>
+              <a:t>כ"ו/אדר ב/תשפ"ב</a:t>
             </a:fld>
             <a:endParaRPr lang="he-IL"/>
           </a:p>
@@ -11637,7 +11644,7 @@
           <a:p>
             <a:fld id="{505F8BF2-2E74-4029-BB7C-3BED40F1067E}" type="datetimeFigureOut">
               <a:rPr lang="he-IL" smtClean="0"/>
-              <a:t>כ"ד/אדר ב/תשפ"ב</a:t>
+              <a:t>כ"ו/אדר ב/תשפ"ב</a:t>
             </a:fld>
             <a:endParaRPr lang="he-IL"/>
           </a:p>
@@ -11916,7 +11923,7 @@
           <a:p>
             <a:fld id="{505F8BF2-2E74-4029-BB7C-3BED40F1067E}" type="datetimeFigureOut">
               <a:rPr lang="he-IL" smtClean="0"/>
-              <a:t>כ"ד/אדר ב/תשפ"ב</a:t>
+              <a:t>כ"ו/אדר ב/תשפ"ב</a:t>
             </a:fld>
             <a:endParaRPr lang="he-IL"/>
           </a:p>
@@ -12228,7 +12235,7 @@
           <a:p>
             <a:fld id="{505F8BF2-2E74-4029-BB7C-3BED40F1067E}" type="datetimeFigureOut">
               <a:rPr lang="he-IL" smtClean="0"/>
-              <a:t>כ"ד/אדר ב/תשפ"ב</a:t>
+              <a:t>כ"ו/אדר ב/תשפ"ב</a:t>
             </a:fld>
             <a:endParaRPr lang="he-IL"/>
           </a:p>
@@ -12481,7 +12488,7 @@
           <a:p>
             <a:fld id="{505F8BF2-2E74-4029-BB7C-3BED40F1067E}" type="datetimeFigureOut">
               <a:rPr lang="he-IL" smtClean="0"/>
-              <a:t>כ"ד/אדר ב/תשפ"ב</a:t>
+              <a:t>כ"ו/אדר ב/תשפ"ב</a:t>
             </a:fld>
             <a:endParaRPr lang="he-IL"/>
           </a:p>
@@ -13077,7 +13084,7 @@
           <a:p>
             <a:fld id="{505F8BF2-2E74-4029-BB7C-3BED40F1067E}" type="datetimeFigureOut">
               <a:rPr lang="he-IL" smtClean="0"/>
-              <a:t>כ"ד/אדר ב/תשפ"ב</a:t>
+              <a:t>כ"ו/אדר ב/תשפ"ב</a:t>
             </a:fld>
             <a:endParaRPr lang="he-IL"/>
           </a:p>
@@ -14670,14 +14677,6 @@
 <file path=ppt/slides/slide6.xml><?xml version="1.0" encoding="utf-8"?>
 <p:sld xmlns:a="http://schemas.openxmlformats.org/drawingml/2006/main" xmlns:r="http://schemas.openxmlformats.org/officeDocument/2006/relationships" xmlns:p="http://schemas.openxmlformats.org/presentationml/2006/main">
   <p:cSld>
-    <p:bg>
-      <p:bgPr>
-        <a:solidFill>
-          <a:schemeClr val="bg1"/>
-        </a:solidFill>
-        <a:effectLst/>
-      </p:bgPr>
-    </p:bg>
     <p:spTree>
       <p:nvGrpSpPr>
         <p:cNvPr id="1" name=""/>
@@ -14694,593 +14693,6 @@
       </p:grpSpPr>
       <p:sp>
         <p:nvSpPr>
-          <p:cNvPr id="13" name="תיבת טקסט 12">
-            <a:extLst>
-              <a:ext uri="{FF2B5EF4-FFF2-40B4-BE49-F238E27FC236}">
-                <a16:creationId xmlns:a16="http://schemas.microsoft.com/office/drawing/2014/main" id="{6A6E4561-ECC0-4C29-B8E3-31C01567AB2F}"/>
-              </a:ext>
-            </a:extLst>
-          </p:cNvPr>
-          <p:cNvSpPr txBox="1"/>
-          <p:nvPr/>
-        </p:nvSpPr>
-        <p:spPr>
-          <a:xfrm>
-            <a:off x="1214811" y="1572771"/>
-            <a:ext cx="2824681" cy="369332"/>
-          </a:xfrm>
-          <a:prstGeom prst="rect">
-            <a:avLst/>
-          </a:prstGeom>
-          <a:noFill/>
-        </p:spPr>
-        <p:txBody>
-          <a:bodyPr wrap="square" rtlCol="1">
-            <a:spAutoFit/>
-          </a:bodyPr>
-          <a:lstStyle/>
-          <a:p>
-            <a:r>
-              <a:rPr lang="en-US" dirty="0" err="1"/>
-              <a:t>Dll</a:t>
-            </a:r>
-            <a:r>
-              <a:rPr lang="en-US" dirty="0"/>
-              <a:t> injection remote tread</a:t>
-            </a:r>
-            <a:endParaRPr lang="he-IL" dirty="0"/>
-          </a:p>
-        </p:txBody>
-      </p:sp>
-      <p:sp>
-        <p:nvSpPr>
-          <p:cNvPr id="31" name="תיבת טקסט 30">
-            <a:extLst>
-              <a:ext uri="{FF2B5EF4-FFF2-40B4-BE49-F238E27FC236}">
-                <a16:creationId xmlns:a16="http://schemas.microsoft.com/office/drawing/2014/main" id="{965B53F5-5DBA-4A0E-ADFA-DE30CD371ACB}"/>
-              </a:ext>
-            </a:extLst>
-          </p:cNvPr>
-          <p:cNvSpPr txBox="1"/>
-          <p:nvPr/>
-        </p:nvSpPr>
-        <p:spPr>
-          <a:xfrm>
-            <a:off x="898351" y="2173240"/>
-            <a:ext cx="2986135" cy="369332"/>
-          </a:xfrm>
-          <a:prstGeom prst="rect">
-            <a:avLst/>
-          </a:prstGeom>
-          <a:noFill/>
-        </p:spPr>
-        <p:txBody>
-          <a:bodyPr wrap="square" rtlCol="1">
-            <a:spAutoFit/>
-          </a:bodyPr>
-          <a:lstStyle/>
-          <a:p>
-            <a:r>
-              <a:rPr lang="en-US" dirty="0" err="1"/>
-              <a:t>Dll</a:t>
-            </a:r>
-            <a:r>
-              <a:rPr lang="en-US" dirty="0"/>
-              <a:t> injection through registry</a:t>
-            </a:r>
-            <a:endParaRPr lang="he-IL" dirty="0"/>
-          </a:p>
-        </p:txBody>
-      </p:sp>
-      <p:sp>
-        <p:nvSpPr>
-          <p:cNvPr id="32" name="תיבת טקסט 31">
-            <a:extLst>
-              <a:ext uri="{FF2B5EF4-FFF2-40B4-BE49-F238E27FC236}">
-                <a16:creationId xmlns:a16="http://schemas.microsoft.com/office/drawing/2014/main" id="{CD32B698-45BF-4494-AF3D-BCDAF6930982}"/>
-              </a:ext>
-            </a:extLst>
-          </p:cNvPr>
-          <p:cNvSpPr txBox="1"/>
-          <p:nvPr/>
-        </p:nvSpPr>
-        <p:spPr>
-          <a:xfrm>
-            <a:off x="3651155" y="3364349"/>
-            <a:ext cx="2824681" cy="369332"/>
-          </a:xfrm>
-          <a:prstGeom prst="rect">
-            <a:avLst/>
-          </a:prstGeom>
-          <a:noFill/>
-        </p:spPr>
-        <p:txBody>
-          <a:bodyPr wrap="square" rtlCol="1">
-            <a:spAutoFit/>
-          </a:bodyPr>
-          <a:lstStyle/>
-          <a:p>
-            <a:r>
-              <a:rPr lang="en-US" dirty="0"/>
-              <a:t>suspicious Command line</a:t>
-            </a:r>
-          </a:p>
-        </p:txBody>
-      </p:sp>
-      <p:sp>
-        <p:nvSpPr>
-          <p:cNvPr id="36" name="תיבת טקסט 35">
-            <a:extLst>
-              <a:ext uri="{FF2B5EF4-FFF2-40B4-BE49-F238E27FC236}">
-                <a16:creationId xmlns:a16="http://schemas.microsoft.com/office/drawing/2014/main" id="{D396F8F3-FD14-4FBC-B58D-1B4EA2E9EE7B}"/>
-              </a:ext>
-            </a:extLst>
-          </p:cNvPr>
-          <p:cNvSpPr txBox="1"/>
-          <p:nvPr/>
-        </p:nvSpPr>
-        <p:spPr>
-          <a:xfrm>
-            <a:off x="1104961" y="70107"/>
-            <a:ext cx="2064190" cy="369332"/>
-          </a:xfrm>
-          <a:prstGeom prst="rect">
-            <a:avLst/>
-          </a:prstGeom>
-          <a:noFill/>
-        </p:spPr>
-        <p:txBody>
-          <a:bodyPr wrap="square" rtlCol="1">
-            <a:spAutoFit/>
-          </a:bodyPr>
-          <a:lstStyle/>
-          <a:p>
-            <a:r>
-              <a:rPr lang="en-US" dirty="0"/>
-              <a:t>suspicious process</a:t>
-            </a:r>
-          </a:p>
-        </p:txBody>
-      </p:sp>
-      <p:sp>
-        <p:nvSpPr>
-          <p:cNvPr id="38" name="Rectangle 6">
-            <a:extLst>
-              <a:ext uri="{FF2B5EF4-FFF2-40B4-BE49-F238E27FC236}">
-                <a16:creationId xmlns:a16="http://schemas.microsoft.com/office/drawing/2014/main" id="{291C9A76-F09F-4D8F-B11A-526016BC8DD6}"/>
-              </a:ext>
-            </a:extLst>
-          </p:cNvPr>
-          <p:cNvSpPr>
-            <a:spLocks noChangeArrowheads="1"/>
-          </p:cNvSpPr>
-          <p:nvPr/>
-        </p:nvSpPr>
-        <p:spPr bwMode="auto">
-          <a:xfrm>
-            <a:off x="1131683" y="552550"/>
-            <a:ext cx="2519472" cy="369332"/>
-          </a:xfrm>
-          <a:prstGeom prst="rect">
-            <a:avLst/>
-          </a:prstGeom>
-          <a:solidFill>
-            <a:srgbClr val="FFFFFF"/>
-          </a:solidFill>
-          <a:ln>
-            <a:noFill/>
-          </a:ln>
-          <a:effectLst/>
-          <a:extLst>
-            <a:ext uri="{91240B29-F687-4F45-9708-019B960494DF}">
-              <a14:hiddenLine xmlns:a14="http://schemas.microsoft.com/office/drawing/2010/main" w="9525">
-                <a:solidFill>
-                  <a:schemeClr val="tx1"/>
-                </a:solidFill>
-                <a:miter lim="800000"/>
-                <a:headEnd/>
-                <a:tailEnd/>
-              </a14:hiddenLine>
-            </a:ext>
-            <a:ext uri="{AF507438-7753-43E0-B8FC-AC1667EBCBE1}">
-              <a14:hiddenEffects xmlns:a14="http://schemas.microsoft.com/office/drawing/2010/main">
-                <a:effectLst>
-                  <a:outerShdw dist="35921" dir="2700000" algn="ctr" rotWithShape="0">
-                    <a:schemeClr val="bg2"/>
-                  </a:outerShdw>
-                </a:effectLst>
-              </a14:hiddenEffects>
-            </a:ext>
-          </a:extLst>
-        </p:spPr>
-        <p:txBody>
-          <a:bodyPr vert="horz" wrap="none" lIns="91440" tIns="45720" rIns="91440" bIns="45720" numCol="1" anchor="ctr" anchorCtr="0" compatLnSpc="1">
-            <a:prstTxWarp prst="textNoShape">
-              <a:avLst/>
-            </a:prstTxWarp>
-            <a:spAutoFit/>
-          </a:bodyPr>
-          <a:lstStyle/>
-          <a:p>
-            <a:pPr marL="0" marR="0" lvl="0" indent="0" algn="l" defTabSz="914400" rtl="0" eaLnBrk="0" fontAlgn="base" latinLnBrk="0" hangingPunct="0">
-              <a:lnSpc>
-                <a:spcPct val="100000"/>
-              </a:lnSpc>
-              <a:spcBef>
-                <a:spcPct val="0"/>
-              </a:spcBef>
-              <a:spcAft>
-                <a:spcPct val="0"/>
-              </a:spcAft>
-              <a:buClrTx/>
-              <a:buSzTx/>
-              <a:buFontTx/>
-              <a:buNone/>
-              <a:tabLst/>
-            </a:pPr>
-            <a:r>
-              <a:rPr lang="he-IL" altLang="he-IL" dirty="0" err="1"/>
-              <a:t>Create</a:t>
-            </a:r>
-            <a:r>
-              <a:rPr lang="he-IL" altLang="he-IL" dirty="0"/>
-              <a:t> </a:t>
-            </a:r>
-            <a:r>
-              <a:rPr lang="he-IL" altLang="he-IL" dirty="0" err="1"/>
-              <a:t>an</a:t>
-            </a:r>
-            <a:r>
-              <a:rPr lang="he-IL" altLang="he-IL" dirty="0"/>
-              <a:t> </a:t>
-            </a:r>
-            <a:r>
-              <a:rPr lang="he-IL" altLang="he-IL" dirty="0" err="1"/>
-              <a:t>executable</a:t>
-            </a:r>
-            <a:r>
-              <a:rPr lang="he-IL" altLang="he-IL" dirty="0"/>
-              <a:t> </a:t>
-            </a:r>
-            <a:r>
-              <a:rPr lang="he-IL" altLang="he-IL" dirty="0" err="1"/>
-              <a:t>file</a:t>
-            </a:r>
-            <a:endParaRPr lang="he-IL" altLang="he-IL" dirty="0"/>
-          </a:p>
-        </p:txBody>
-      </p:sp>
-      <p:sp>
-        <p:nvSpPr>
-          <p:cNvPr id="39" name="Rectangle 7">
-            <a:extLst>
-              <a:ext uri="{FF2B5EF4-FFF2-40B4-BE49-F238E27FC236}">
-                <a16:creationId xmlns:a16="http://schemas.microsoft.com/office/drawing/2014/main" id="{CDDD3D38-EC48-4F19-B5B9-57E3FB429F4A}"/>
-              </a:ext>
-            </a:extLst>
-          </p:cNvPr>
-          <p:cNvSpPr>
-            <a:spLocks noChangeArrowheads="1"/>
-          </p:cNvSpPr>
-          <p:nvPr/>
-        </p:nvSpPr>
-        <p:spPr bwMode="auto">
-          <a:xfrm>
-            <a:off x="878186" y="2840349"/>
-            <a:ext cx="2517741" cy="369332"/>
-          </a:xfrm>
-          <a:prstGeom prst="rect">
-            <a:avLst/>
-          </a:prstGeom>
-          <a:solidFill>
-            <a:srgbClr val="FFFFFF"/>
-          </a:solidFill>
-          <a:ln>
-            <a:noFill/>
-          </a:ln>
-          <a:effectLst/>
-          <a:extLst>
-            <a:ext uri="{91240B29-F687-4F45-9708-019B960494DF}">
-              <a14:hiddenLine xmlns:a14="http://schemas.microsoft.com/office/drawing/2010/main" w="9525">
-                <a:solidFill>
-                  <a:schemeClr val="tx1"/>
-                </a:solidFill>
-                <a:miter lim="800000"/>
-                <a:headEnd/>
-                <a:tailEnd/>
-              </a14:hiddenLine>
-            </a:ext>
-            <a:ext uri="{AF507438-7753-43E0-B8FC-AC1667EBCBE1}">
-              <a14:hiddenEffects xmlns:a14="http://schemas.microsoft.com/office/drawing/2010/main">
-                <a:effectLst>
-                  <a:outerShdw dist="35921" dir="2700000" algn="ctr" rotWithShape="0">
-                    <a:schemeClr val="bg2"/>
-                  </a:outerShdw>
-                </a:effectLst>
-              </a14:hiddenEffects>
-            </a:ext>
-          </a:extLst>
-        </p:spPr>
-        <p:txBody>
-          <a:bodyPr vert="horz" wrap="none" lIns="91440" tIns="45720" rIns="91440" bIns="45720" numCol="1" anchor="ctr" anchorCtr="0" compatLnSpc="1">
-            <a:prstTxWarp prst="textNoShape">
-              <a:avLst/>
-            </a:prstTxWarp>
-            <a:spAutoFit/>
-          </a:bodyPr>
-          <a:lstStyle/>
-          <a:p>
-            <a:pPr marL="0" marR="0" lvl="0" indent="0" algn="l" defTabSz="914400" rtl="0" eaLnBrk="0" fontAlgn="base" latinLnBrk="0" hangingPunct="0">
-              <a:lnSpc>
-                <a:spcPct val="100000"/>
-              </a:lnSpc>
-              <a:spcBef>
-                <a:spcPct val="0"/>
-              </a:spcBef>
-              <a:spcAft>
-                <a:spcPct val="0"/>
-              </a:spcAft>
-              <a:buClrTx/>
-              <a:buSzTx/>
-              <a:buFontTx/>
-              <a:buNone/>
-              <a:tabLst/>
-            </a:pPr>
-            <a:r>
-              <a:rPr lang="en-US" altLang="he-IL" dirty="0"/>
-              <a:t>Registration to auto start</a:t>
-            </a:r>
-            <a:endParaRPr lang="he-IL" altLang="he-IL" dirty="0"/>
-          </a:p>
-        </p:txBody>
-      </p:sp>
-      <p:sp>
-        <p:nvSpPr>
-          <p:cNvPr id="41" name="תיבת טקסט 40">
-            <a:extLst>
-              <a:ext uri="{FF2B5EF4-FFF2-40B4-BE49-F238E27FC236}">
-                <a16:creationId xmlns:a16="http://schemas.microsoft.com/office/drawing/2014/main" id="{207C6C9F-C989-4D54-ACD0-503583552C1C}"/>
-              </a:ext>
-            </a:extLst>
-          </p:cNvPr>
-          <p:cNvSpPr txBox="1"/>
-          <p:nvPr/>
-        </p:nvSpPr>
-        <p:spPr>
-          <a:xfrm>
-            <a:off x="5872405" y="4811741"/>
-            <a:ext cx="2986135" cy="369332"/>
-          </a:xfrm>
-          <a:prstGeom prst="rect">
-            <a:avLst/>
-          </a:prstGeom>
-          <a:noFill/>
-        </p:spPr>
-        <p:txBody>
-          <a:bodyPr wrap="square">
-            <a:spAutoFit/>
-          </a:bodyPr>
-          <a:lstStyle/>
-          <a:p>
-            <a:r>
-              <a:rPr lang="he-IL" dirty="0" err="1"/>
-              <a:t>Identify</a:t>
-            </a:r>
-            <a:r>
-              <a:rPr lang="he-IL" dirty="0"/>
-              <a:t> </a:t>
-            </a:r>
-            <a:r>
-              <a:rPr lang="he-IL" dirty="0" err="1"/>
-              <a:t>environmental</a:t>
-            </a:r>
-            <a:r>
-              <a:rPr lang="he-IL" dirty="0"/>
-              <a:t> </a:t>
-            </a:r>
-            <a:r>
-              <a:rPr lang="he-IL" dirty="0" err="1"/>
-              <a:t>tests</a:t>
-            </a:r>
-            <a:endParaRPr lang="he-IL" dirty="0"/>
-          </a:p>
-        </p:txBody>
-      </p:sp>
-      <p:sp>
-        <p:nvSpPr>
-          <p:cNvPr id="43" name="תיבת טקסט 42">
-            <a:extLst>
-              <a:ext uri="{FF2B5EF4-FFF2-40B4-BE49-F238E27FC236}">
-                <a16:creationId xmlns:a16="http://schemas.microsoft.com/office/drawing/2014/main" id="{60EA986B-8D96-4763-A557-3637452D135E}"/>
-              </a:ext>
-            </a:extLst>
-          </p:cNvPr>
-          <p:cNvSpPr txBox="1"/>
-          <p:nvPr/>
-        </p:nvSpPr>
-        <p:spPr>
-          <a:xfrm>
-            <a:off x="2860894" y="5354371"/>
-            <a:ext cx="4590107" cy="369332"/>
-          </a:xfrm>
-          <a:prstGeom prst="rect">
-            <a:avLst/>
-          </a:prstGeom>
-          <a:noFill/>
-        </p:spPr>
-        <p:txBody>
-          <a:bodyPr wrap="square">
-            <a:spAutoFit/>
-          </a:bodyPr>
-          <a:lstStyle/>
-          <a:p>
-            <a:r>
-              <a:rPr lang="en-US" dirty="0"/>
-              <a:t>Set or modify Internet Explorer security zone</a:t>
-            </a:r>
-          </a:p>
-        </p:txBody>
-      </p:sp>
-      <p:sp>
-        <p:nvSpPr>
-          <p:cNvPr id="45" name="תיבת טקסט 44">
-            <a:extLst>
-              <a:ext uri="{FF2B5EF4-FFF2-40B4-BE49-F238E27FC236}">
-                <a16:creationId xmlns:a16="http://schemas.microsoft.com/office/drawing/2014/main" id="{9E29C299-FDC2-4868-A83F-AE39C007B250}"/>
-              </a:ext>
-            </a:extLst>
-          </p:cNvPr>
-          <p:cNvSpPr txBox="1"/>
-          <p:nvPr/>
-        </p:nvSpPr>
-        <p:spPr>
-          <a:xfrm>
-            <a:off x="3651155" y="4163262"/>
-            <a:ext cx="3693814" cy="369332"/>
-          </a:xfrm>
-          <a:prstGeom prst="rect">
-            <a:avLst/>
-          </a:prstGeom>
-          <a:noFill/>
-        </p:spPr>
-        <p:txBody>
-          <a:bodyPr wrap="square">
-            <a:spAutoFit/>
-          </a:bodyPr>
-          <a:lstStyle/>
-          <a:p>
-            <a:r>
-              <a:rPr lang="he-IL" dirty="0" err="1"/>
-              <a:t>create</a:t>
-            </a:r>
-            <a:r>
-              <a:rPr lang="he-IL" dirty="0"/>
-              <a:t> </a:t>
-            </a:r>
-            <a:r>
-              <a:rPr lang="he-IL" dirty="0" err="1"/>
-              <a:t>or</a:t>
-            </a:r>
-            <a:r>
-              <a:rPr lang="he-IL" dirty="0"/>
-              <a:t> </a:t>
-            </a:r>
-            <a:r>
-              <a:rPr lang="he-IL" dirty="0" err="1"/>
-              <a:t>modify</a:t>
-            </a:r>
-            <a:r>
-              <a:rPr lang="he-IL" dirty="0"/>
-              <a:t> </a:t>
-            </a:r>
-            <a:r>
-              <a:rPr lang="he-IL" dirty="0" err="1"/>
-              <a:t>system</a:t>
-            </a:r>
-            <a:r>
-              <a:rPr lang="he-IL" dirty="0"/>
-              <a:t> </a:t>
-            </a:r>
-            <a:r>
-              <a:rPr lang="he-IL" dirty="0" err="1"/>
-              <a:t>certificates</a:t>
-            </a:r>
-            <a:endParaRPr lang="he-IL" dirty="0"/>
-          </a:p>
-        </p:txBody>
-      </p:sp>
-      <p:sp>
-        <p:nvSpPr>
-          <p:cNvPr id="47" name="תיבת טקסט 46">
-            <a:extLst>
-              <a:ext uri="{FF2B5EF4-FFF2-40B4-BE49-F238E27FC236}">
-                <a16:creationId xmlns:a16="http://schemas.microsoft.com/office/drawing/2014/main" id="{E62E79F4-AD8B-482E-80F1-84A334952BC6}"/>
-              </a:ext>
-            </a:extLst>
-          </p:cNvPr>
-          <p:cNvSpPr txBox="1"/>
-          <p:nvPr/>
-        </p:nvSpPr>
-        <p:spPr>
-          <a:xfrm>
-            <a:off x="1131683" y="1034993"/>
-            <a:ext cx="2824682" cy="369332"/>
-          </a:xfrm>
-          <a:prstGeom prst="rect">
-            <a:avLst/>
-          </a:prstGeom>
-          <a:noFill/>
-        </p:spPr>
-        <p:txBody>
-          <a:bodyPr wrap="square">
-            <a:spAutoFit/>
-          </a:bodyPr>
-          <a:lstStyle/>
-          <a:p>
-            <a:r>
-              <a:rPr lang="he-IL" dirty="0" err="1"/>
-              <a:t>Remove</a:t>
-            </a:r>
-            <a:r>
-              <a:rPr lang="he-IL" dirty="0"/>
-              <a:t> </a:t>
-            </a:r>
-            <a:r>
-              <a:rPr lang="he-IL" dirty="0" err="1"/>
-              <a:t>the</a:t>
-            </a:r>
-            <a:r>
-              <a:rPr lang="he-IL" dirty="0"/>
-              <a:t> </a:t>
-            </a:r>
-            <a:r>
-              <a:rPr lang="he-IL" dirty="0" err="1"/>
-              <a:t>Shadow</a:t>
-            </a:r>
-            <a:r>
-              <a:rPr lang="he-IL" dirty="0"/>
-              <a:t> </a:t>
-            </a:r>
-            <a:r>
-              <a:rPr lang="he-IL" dirty="0" err="1"/>
-              <a:t>File</a:t>
-            </a:r>
-            <a:endParaRPr lang="he-IL" dirty="0"/>
-          </a:p>
-        </p:txBody>
-      </p:sp>
-    </p:spTree>
-    <p:extLst>
-      <p:ext uri="{BB962C8B-B14F-4D97-AF65-F5344CB8AC3E}">
-        <p14:creationId xmlns:p14="http://schemas.microsoft.com/office/powerpoint/2010/main" val="2766075955"/>
-      </p:ext>
-    </p:extLst>
-  </p:cSld>
-  <p:clrMapOvr>
-    <a:masterClrMapping/>
-  </p:clrMapOvr>
-</p:sld>
-</file>
-
-<file path=ppt/slides/slide7.xml><?xml version="1.0" encoding="utf-8"?>
-<p:sld xmlns:a="http://schemas.openxmlformats.org/drawingml/2006/main" xmlns:r="http://schemas.openxmlformats.org/officeDocument/2006/relationships" xmlns:p="http://schemas.openxmlformats.org/presentationml/2006/main">
-  <p:cSld>
-    <p:spTree>
-      <p:nvGrpSpPr>
-        <p:cNvPr id="1" name=""/>
-        <p:cNvGrpSpPr/>
-        <p:nvPr/>
-      </p:nvGrpSpPr>
-      <p:grpSpPr>
-        <a:xfrm>
-          <a:off x="0" y="0"/>
-          <a:ext cx="0" cy="0"/>
-          <a:chOff x="0" y="0"/>
-          <a:chExt cx="0" cy="0"/>
-        </a:xfrm>
-      </p:grpSpPr>
-      <p:sp>
-        <p:nvSpPr>
           <p:cNvPr id="6" name="מלבן 5">
             <a:extLst>
               <a:ext uri="{FF2B5EF4-FFF2-40B4-BE49-F238E27FC236}">
@@ -15310,22 +14722,31 @@
             <a:pPr algn="ctr"/>
             <a:r>
               <a:rPr lang="en-US" sz="2800" b="1" dirty="0">
-                <a:ln w="13462">
+                <a:ln w="12700">
                   <a:solidFill>
-                    <a:schemeClr val="bg1"/>
+                    <a:schemeClr val="accent3">
+                      <a:lumMod val="50000"/>
+                    </a:schemeClr>
                   </a:solidFill>
                   <a:prstDash val="solid"/>
                 </a:ln>
-                <a:solidFill>
-                  <a:schemeClr val="tx1">
-                    <a:lumMod val="85000"/>
-                    <a:lumOff val="15000"/>
-                  </a:schemeClr>
-                </a:solidFill>
+                <a:pattFill prst="narHorz">
+                  <a:fgClr>
+                    <a:schemeClr val="accent3"/>
+                  </a:fgClr>
+                  <a:bgClr>
+                    <a:schemeClr val="accent3">
+                      <a:lumMod val="40000"/>
+                      <a:lumOff val="60000"/>
+                    </a:schemeClr>
+                  </a:bgClr>
+                </a:pattFill>
                 <a:effectLst>
-                  <a:outerShdw dist="38100" dir="2700000" algn="bl" rotWithShape="0">
-                    <a:schemeClr val="accent5"/>
-                  </a:outerShdw>
+                  <a:innerShdw blurRad="177800">
+                    <a:schemeClr val="accent3">
+                      <a:lumMod val="50000"/>
+                    </a:schemeClr>
+                  </a:innerShdw>
                 </a:effectLst>
               </a:rPr>
               <a:t>Create an executable file</a:t>
@@ -15883,7 +15304,7 @@
             </a:avLst>
           </a:prstGeom>
           <a:solidFill>
-            <a:schemeClr val="accent6">
+            <a:schemeClr val="accent5">
               <a:lumMod val="20000"/>
               <a:lumOff val="80000"/>
             </a:schemeClr>
@@ -15941,7 +15362,7 @@
             </a:avLst>
           </a:prstGeom>
           <a:solidFill>
-            <a:schemeClr val="accent6">
+            <a:schemeClr val="accent5">
               <a:lumMod val="20000"/>
               <a:lumOff val="80000"/>
             </a:schemeClr>
@@ -15999,7 +15420,65 @@
             </a:avLst>
           </a:prstGeom>
           <a:solidFill>
+            <a:schemeClr val="accent5">
+              <a:lumMod val="40000"/>
+              <a:lumOff val="60000"/>
+            </a:schemeClr>
+          </a:solidFill>
+          <a:ln>
+            <a:noFill/>
+          </a:ln>
+        </p:spPr>
+        <p:style>
+          <a:lnRef idx="2">
             <a:schemeClr val="accent1">
+              <a:shade val="50000"/>
+            </a:schemeClr>
+          </a:lnRef>
+          <a:fillRef idx="1">
+            <a:schemeClr val="accent1"/>
+          </a:fillRef>
+          <a:effectRef idx="0">
+            <a:schemeClr val="accent1"/>
+          </a:effectRef>
+          <a:fontRef idx="minor">
+            <a:schemeClr val="lt1"/>
+          </a:fontRef>
+        </p:style>
+        <p:txBody>
+          <a:bodyPr rtlCol="1" anchor="ctr"/>
+          <a:lstStyle/>
+          <a:p>
+            <a:pPr algn="ctr"/>
+            <a:endParaRPr lang="he-IL"/>
+          </a:p>
+        </p:txBody>
+      </p:sp>
+      <p:sp>
+        <p:nvSpPr>
+          <p:cNvPr id="26" name="צורת L 25">
+            <a:extLst>
+              <a:ext uri="{FF2B5EF4-FFF2-40B4-BE49-F238E27FC236}">
+                <a16:creationId xmlns:a16="http://schemas.microsoft.com/office/drawing/2014/main" id="{C12400FF-B25C-4016-82CC-E8918A697A4E}"/>
+              </a:ext>
+            </a:extLst>
+          </p:cNvPr>
+          <p:cNvSpPr/>
+          <p:nvPr/>
+        </p:nvSpPr>
+        <p:spPr>
+          <a:xfrm rot="5400000">
+            <a:off x="-1970650" y="3267155"/>
+            <a:ext cx="5545534" cy="1458808"/>
+          </a:xfrm>
+          <a:prstGeom prst="corner">
+            <a:avLst>
+              <a:gd name="adj1" fmla="val 24378"/>
+              <a:gd name="adj2" fmla="val 60778"/>
+            </a:avLst>
+          </a:prstGeom>
+          <a:solidFill>
+            <a:schemeClr val="accent5">
               <a:lumMod val="20000"/>
               <a:lumOff val="80000"/>
             </a:schemeClr>
@@ -16035,10 +15514,10 @@
       </p:sp>
       <p:sp>
         <p:nvSpPr>
-          <p:cNvPr id="26" name="צורת L 25">
+          <p:cNvPr id="27" name="צורת L 26">
             <a:extLst>
               <a:ext uri="{FF2B5EF4-FFF2-40B4-BE49-F238E27FC236}">
-                <a16:creationId xmlns:a16="http://schemas.microsoft.com/office/drawing/2014/main" id="{C12400FF-B25C-4016-82CC-E8918A697A4E}"/>
+                <a16:creationId xmlns:a16="http://schemas.microsoft.com/office/drawing/2014/main" id="{2901A7E6-5C3F-4E27-B185-1C5ED03CDD30}"/>
               </a:ext>
             </a:extLst>
           </p:cNvPr>
@@ -16046,9 +15525,9 @@
           <p:nvPr/>
         </p:nvSpPr>
         <p:spPr>
-          <a:xfrm rot="5400000">
-            <a:off x="-1970650" y="3267155"/>
-            <a:ext cx="5545534" cy="1458808"/>
+          <a:xfrm rot="5400000" flipV="1">
+            <a:off x="8764037" y="3445643"/>
+            <a:ext cx="5511759" cy="1135602"/>
           </a:xfrm>
           <a:prstGeom prst="corner">
             <a:avLst>
@@ -16057,7 +15536,7 @@
             </a:avLst>
           </a:prstGeom>
           <a:solidFill>
-            <a:schemeClr val="accent6">
+            <a:schemeClr val="accent5">
               <a:lumMod val="20000"/>
               <a:lumOff val="80000"/>
             </a:schemeClr>
@@ -16093,10 +15572,10 @@
       </p:sp>
       <p:sp>
         <p:nvSpPr>
-          <p:cNvPr id="27" name="צורת L 26">
+          <p:cNvPr id="28" name="צורת L 27">
             <a:extLst>
               <a:ext uri="{FF2B5EF4-FFF2-40B4-BE49-F238E27FC236}">
-                <a16:creationId xmlns:a16="http://schemas.microsoft.com/office/drawing/2014/main" id="{2901A7E6-5C3F-4E27-B185-1C5ED03CDD30}"/>
+                <a16:creationId xmlns:a16="http://schemas.microsoft.com/office/drawing/2014/main" id="{600D38BA-CA34-4837-951C-3C3BA1A55AA6}"/>
               </a:ext>
             </a:extLst>
           </p:cNvPr>
@@ -16104,18 +15583,76 @@
           <p:nvPr/>
         </p:nvSpPr>
         <p:spPr>
-          <a:xfrm rot="5400000" flipV="1">
-            <a:off x="8764037" y="3445643"/>
-            <a:ext cx="5511759" cy="1135602"/>
+          <a:xfrm rot="10800000">
+            <a:off x="8381655" y="253881"/>
+            <a:ext cx="1685418" cy="1241371"/>
           </a:xfrm>
           <a:prstGeom prst="corner">
             <a:avLst>
-              <a:gd name="adj1" fmla="val 24378"/>
-              <a:gd name="adj2" fmla="val 60778"/>
+              <a:gd name="adj1" fmla="val 36713"/>
+              <a:gd name="adj2" fmla="val 107683"/>
             </a:avLst>
           </a:prstGeom>
           <a:solidFill>
-            <a:schemeClr val="accent6">
+            <a:schemeClr val="accent5">
+              <a:lumMod val="40000"/>
+              <a:lumOff val="60000"/>
+            </a:schemeClr>
+          </a:solidFill>
+          <a:ln>
+            <a:noFill/>
+          </a:ln>
+        </p:spPr>
+        <p:style>
+          <a:lnRef idx="2">
+            <a:schemeClr val="accent1">
+              <a:shade val="50000"/>
+            </a:schemeClr>
+          </a:lnRef>
+          <a:fillRef idx="1">
+            <a:schemeClr val="accent1"/>
+          </a:fillRef>
+          <a:effectRef idx="0">
+            <a:schemeClr val="accent1"/>
+          </a:effectRef>
+          <a:fontRef idx="minor">
+            <a:schemeClr val="lt1"/>
+          </a:fontRef>
+        </p:style>
+        <p:txBody>
+          <a:bodyPr rtlCol="1" anchor="ctr"/>
+          <a:lstStyle/>
+          <a:p>
+            <a:pPr algn="ctr"/>
+            <a:endParaRPr lang="he-IL"/>
+          </a:p>
+        </p:txBody>
+      </p:sp>
+      <p:sp>
+        <p:nvSpPr>
+          <p:cNvPr id="29" name="צורת L 28">
+            <a:extLst>
+              <a:ext uri="{FF2B5EF4-FFF2-40B4-BE49-F238E27FC236}">
+                <a16:creationId xmlns:a16="http://schemas.microsoft.com/office/drawing/2014/main" id="{D3DCC49F-9243-4FC4-AD70-896CD767C628}"/>
+              </a:ext>
+            </a:extLst>
+          </p:cNvPr>
+          <p:cNvSpPr/>
+          <p:nvPr/>
+        </p:nvSpPr>
+        <p:spPr>
+          <a:xfrm rot="10800000" flipV="1">
+            <a:off x="8363337" y="2783285"/>
+            <a:ext cx="3706063" cy="1271688"/>
+          </a:xfrm>
+          <a:prstGeom prst="corner">
+            <a:avLst>
+              <a:gd name="adj1" fmla="val 31633"/>
+              <a:gd name="adj2" fmla="val 81804"/>
+            </a:avLst>
+          </a:prstGeom>
+          <a:solidFill>
+            <a:schemeClr val="accent5">
               <a:lumMod val="20000"/>
               <a:lumOff val="80000"/>
             </a:schemeClr>
@@ -16151,10 +15688,10 @@
       </p:sp>
       <p:sp>
         <p:nvSpPr>
-          <p:cNvPr id="28" name="צורת L 27">
+          <p:cNvPr id="30" name="צורת L 29">
             <a:extLst>
               <a:ext uri="{FF2B5EF4-FFF2-40B4-BE49-F238E27FC236}">
-                <a16:creationId xmlns:a16="http://schemas.microsoft.com/office/drawing/2014/main" id="{600D38BA-CA34-4837-951C-3C3BA1A55AA6}"/>
+                <a16:creationId xmlns:a16="http://schemas.microsoft.com/office/drawing/2014/main" id="{84FCAC40-171B-48C7-9170-97A61A652974}"/>
               </a:ext>
             </a:extLst>
           </p:cNvPr>
@@ -16162,18 +15699,76 @@
           <p:nvPr/>
         </p:nvSpPr>
         <p:spPr>
-          <a:xfrm rot="10800000">
-            <a:off x="8381655" y="253881"/>
-            <a:ext cx="1685418" cy="1241371"/>
+          <a:xfrm rot="5400000" flipV="1">
+            <a:off x="9337148" y="4252112"/>
+            <a:ext cx="3102993" cy="1931436"/>
           </a:xfrm>
           <a:prstGeom prst="corner">
             <a:avLst>
-              <a:gd name="adj1" fmla="val 36713"/>
-              <a:gd name="adj2" fmla="val 107683"/>
+              <a:gd name="adj1" fmla="val 40812"/>
+              <a:gd name="adj2" fmla="val 48477"/>
             </a:avLst>
           </a:prstGeom>
           <a:solidFill>
+            <a:schemeClr val="accent5">
+              <a:lumMod val="40000"/>
+              <a:lumOff val="60000"/>
+            </a:schemeClr>
+          </a:solidFill>
+          <a:ln>
+            <a:noFill/>
+          </a:ln>
+        </p:spPr>
+        <p:style>
+          <a:lnRef idx="2">
             <a:schemeClr val="accent1">
+              <a:shade val="50000"/>
+            </a:schemeClr>
+          </a:lnRef>
+          <a:fillRef idx="1">
+            <a:schemeClr val="accent1"/>
+          </a:fillRef>
+          <a:effectRef idx="0">
+            <a:schemeClr val="accent1"/>
+          </a:effectRef>
+          <a:fontRef idx="minor">
+            <a:schemeClr val="lt1"/>
+          </a:fontRef>
+        </p:style>
+        <p:txBody>
+          <a:bodyPr rtlCol="1" anchor="ctr"/>
+          <a:lstStyle/>
+          <a:p>
+            <a:pPr algn="ctr"/>
+            <a:endParaRPr lang="he-IL"/>
+          </a:p>
+        </p:txBody>
+      </p:sp>
+      <p:sp>
+        <p:nvSpPr>
+          <p:cNvPr id="31" name="צורת L 30">
+            <a:extLst>
+              <a:ext uri="{FF2B5EF4-FFF2-40B4-BE49-F238E27FC236}">
+                <a16:creationId xmlns:a16="http://schemas.microsoft.com/office/drawing/2014/main" id="{6F9569DA-736C-4D0A-B7CD-7C36A333A46A}"/>
+              </a:ext>
+            </a:extLst>
+          </p:cNvPr>
+          <p:cNvSpPr/>
+          <p:nvPr/>
+        </p:nvSpPr>
+        <p:spPr>
+          <a:xfrm rot="10800000" flipV="1">
+            <a:off x="337637" y="5478362"/>
+            <a:ext cx="11124814" cy="1290962"/>
+          </a:xfrm>
+          <a:prstGeom prst="corner">
+            <a:avLst>
+              <a:gd name="adj1" fmla="val 32953"/>
+              <a:gd name="adj2" fmla="val 183634"/>
+            </a:avLst>
+          </a:prstGeom>
+          <a:solidFill>
+            <a:schemeClr val="accent5">
               <a:lumMod val="20000"/>
               <a:lumOff val="80000"/>
             </a:schemeClr>
@@ -16209,10 +15804,10 @@
       </p:sp>
       <p:sp>
         <p:nvSpPr>
-          <p:cNvPr id="29" name="צורת L 28">
+          <p:cNvPr id="32" name="צורת L 31">
             <a:extLst>
               <a:ext uri="{FF2B5EF4-FFF2-40B4-BE49-F238E27FC236}">
-                <a16:creationId xmlns:a16="http://schemas.microsoft.com/office/drawing/2014/main" id="{D3DCC49F-9243-4FC4-AD70-896CD767C628}"/>
+                <a16:creationId xmlns:a16="http://schemas.microsoft.com/office/drawing/2014/main" id="{0976F95C-B602-4658-8145-E724426FC4D1}"/>
               </a:ext>
             </a:extLst>
           </p:cNvPr>
@@ -16220,18 +15815,76 @@
           <p:nvPr/>
         </p:nvSpPr>
         <p:spPr>
-          <a:xfrm rot="10800000" flipV="1">
-            <a:off x="8363337" y="2783285"/>
-            <a:ext cx="3706063" cy="1271688"/>
+          <a:xfrm rot="5400000">
+            <a:off x="-17127" y="3395562"/>
+            <a:ext cx="3582958" cy="2950037"/>
           </a:xfrm>
           <a:prstGeom prst="corner">
             <a:avLst>
-              <a:gd name="adj1" fmla="val 31633"/>
-              <a:gd name="adj2" fmla="val 81804"/>
+              <a:gd name="adj1" fmla="val 15522"/>
+              <a:gd name="adj2" fmla="val 13363"/>
             </a:avLst>
           </a:prstGeom>
           <a:solidFill>
-            <a:schemeClr val="accent6">
+            <a:schemeClr val="accent5">
+              <a:lumMod val="40000"/>
+              <a:lumOff val="60000"/>
+            </a:schemeClr>
+          </a:solidFill>
+          <a:ln>
+            <a:noFill/>
+          </a:ln>
+        </p:spPr>
+        <p:style>
+          <a:lnRef idx="2">
+            <a:schemeClr val="accent1">
+              <a:shade val="50000"/>
+            </a:schemeClr>
+          </a:lnRef>
+          <a:fillRef idx="1">
+            <a:schemeClr val="accent1"/>
+          </a:fillRef>
+          <a:effectRef idx="0">
+            <a:schemeClr val="accent1"/>
+          </a:effectRef>
+          <a:fontRef idx="minor">
+            <a:schemeClr val="lt1"/>
+          </a:fontRef>
+        </p:style>
+        <p:txBody>
+          <a:bodyPr rtlCol="1" anchor="ctr"/>
+          <a:lstStyle/>
+          <a:p>
+            <a:pPr algn="ctr"/>
+            <a:endParaRPr lang="he-IL"/>
+          </a:p>
+        </p:txBody>
+      </p:sp>
+      <p:sp>
+        <p:nvSpPr>
+          <p:cNvPr id="34" name="צורת L 33">
+            <a:extLst>
+              <a:ext uri="{FF2B5EF4-FFF2-40B4-BE49-F238E27FC236}">
+                <a16:creationId xmlns:a16="http://schemas.microsoft.com/office/drawing/2014/main" id="{29C135B0-B596-4C51-B209-167B3F5BF158}"/>
+              </a:ext>
+            </a:extLst>
+          </p:cNvPr>
+          <p:cNvSpPr/>
+          <p:nvPr/>
+        </p:nvSpPr>
+        <p:spPr>
+          <a:xfrm rot="5400000">
+            <a:off x="1311976" y="3856393"/>
+            <a:ext cx="1126163" cy="2296119"/>
+          </a:xfrm>
+          <a:prstGeom prst="corner">
+            <a:avLst>
+              <a:gd name="adj1" fmla="val 138445"/>
+              <a:gd name="adj2" fmla="val 13363"/>
+            </a:avLst>
+          </a:prstGeom>
+          <a:solidFill>
+            <a:schemeClr val="accent5">
               <a:lumMod val="20000"/>
               <a:lumOff val="80000"/>
             </a:schemeClr>
@@ -16265,33 +15918,1520 @@
           </a:p>
         </p:txBody>
       </p:sp>
-      <p:sp>
-        <p:nvSpPr>
-          <p:cNvPr id="30" name="צורת L 29">
+    </p:spTree>
+    <p:extLst>
+      <p:ext uri="{BB962C8B-B14F-4D97-AF65-F5344CB8AC3E}">
+        <p14:creationId xmlns:p14="http://schemas.microsoft.com/office/powerpoint/2010/main" val="1123204905"/>
+      </p:ext>
+    </p:extLst>
+  </p:cSld>
+  <p:clrMapOvr>
+    <a:masterClrMapping/>
+  </p:clrMapOvr>
+  <p:timing>
+    <p:tnLst>
+      <p:par>
+        <p:cTn id="1" dur="indefinite" restart="never" nodeType="tmRoot">
+          <p:childTnLst>
+            <p:seq concurrent="1" nextAc="seek">
+              <p:cTn id="2" dur="indefinite" nodeType="mainSeq">
+                <p:childTnLst>
+                  <p:par>
+                    <p:cTn id="3" fill="hold">
+                      <p:stCondLst>
+                        <p:cond delay="indefinite"/>
+                        <p:cond evt="onBegin" delay="0">
+                          <p:tn val="2"/>
+                        </p:cond>
+                      </p:stCondLst>
+                      <p:childTnLst>
+                        <p:par>
+                          <p:cTn id="4" fill="hold">
+                            <p:stCondLst>
+                              <p:cond delay="0"/>
+                            </p:stCondLst>
+                            <p:childTnLst>
+                              <p:par>
+                                <p:cTn id="5" presetID="1" presetClass="entr" presetSubtype="0" fill="hold" grpId="0" nodeType="afterEffect">
+                                  <p:stCondLst>
+                                    <p:cond delay="150"/>
+                                  </p:stCondLst>
+                                  <p:childTnLst>
+                                    <p:set>
+                                      <p:cBhvr>
+                                        <p:cTn id="6" dur="1" fill="hold">
+                                          <p:stCondLst>
+                                            <p:cond delay="0"/>
+                                          </p:stCondLst>
+                                        </p:cTn>
+                                        <p:tgtEl>
+                                          <p:spTgt spid="28"/>
+                                        </p:tgtEl>
+                                        <p:attrNameLst>
+                                          <p:attrName>style.visibility</p:attrName>
+                                        </p:attrNameLst>
+                                      </p:cBhvr>
+                                      <p:to>
+                                        <p:strVal val="visible"/>
+                                      </p:to>
+                                    </p:set>
+                                  </p:childTnLst>
+                                </p:cTn>
+                              </p:par>
+                            </p:childTnLst>
+                          </p:cTn>
+                        </p:par>
+                        <p:par>
+                          <p:cTn id="7" fill="hold">
+                            <p:stCondLst>
+                              <p:cond delay="150"/>
+                            </p:stCondLst>
+                            <p:childTnLst>
+                              <p:par>
+                                <p:cTn id="8" presetID="1" presetClass="entr" presetSubtype="0" fill="hold" grpId="0" nodeType="afterEffect">
+                                  <p:stCondLst>
+                                    <p:cond delay="150"/>
+                                  </p:stCondLst>
+                                  <p:childTnLst>
+                                    <p:set>
+                                      <p:cBhvr>
+                                        <p:cTn id="9" dur="1" fill="hold">
+                                          <p:stCondLst>
+                                            <p:cond delay="0"/>
+                                          </p:stCondLst>
+                                        </p:cTn>
+                                        <p:tgtEl>
+                                          <p:spTgt spid="30"/>
+                                        </p:tgtEl>
+                                        <p:attrNameLst>
+                                          <p:attrName>style.visibility</p:attrName>
+                                        </p:attrNameLst>
+                                      </p:cBhvr>
+                                      <p:to>
+                                        <p:strVal val="visible"/>
+                                      </p:to>
+                                    </p:set>
+                                  </p:childTnLst>
+                                </p:cTn>
+                              </p:par>
+                            </p:childTnLst>
+                          </p:cTn>
+                        </p:par>
+                        <p:par>
+                          <p:cTn id="10" fill="hold">
+                            <p:stCondLst>
+                              <p:cond delay="300"/>
+                            </p:stCondLst>
+                            <p:childTnLst>
+                              <p:par>
+                                <p:cTn id="11" presetID="1" presetClass="entr" presetSubtype="0" fill="hold" grpId="0" nodeType="afterEffect">
+                                  <p:stCondLst>
+                                    <p:cond delay="150"/>
+                                  </p:stCondLst>
+                                  <p:childTnLst>
+                                    <p:set>
+                                      <p:cBhvr>
+                                        <p:cTn id="12" dur="1" fill="hold">
+                                          <p:stCondLst>
+                                            <p:cond delay="0"/>
+                                          </p:stCondLst>
+                                        </p:cTn>
+                                        <p:tgtEl>
+                                          <p:spTgt spid="32"/>
+                                        </p:tgtEl>
+                                        <p:attrNameLst>
+                                          <p:attrName>style.visibility</p:attrName>
+                                        </p:attrNameLst>
+                                      </p:cBhvr>
+                                      <p:to>
+                                        <p:strVal val="visible"/>
+                                      </p:to>
+                                    </p:set>
+                                  </p:childTnLst>
+                                </p:cTn>
+                              </p:par>
+                            </p:childTnLst>
+                          </p:cTn>
+                        </p:par>
+                        <p:par>
+                          <p:cTn id="13" fill="hold">
+                            <p:stCondLst>
+                              <p:cond delay="450"/>
+                            </p:stCondLst>
+                            <p:childTnLst>
+                              <p:par>
+                                <p:cTn id="14" presetID="1" presetClass="entr" presetSubtype="0" fill="hold" grpId="0" nodeType="afterEffect">
+                                  <p:stCondLst>
+                                    <p:cond delay="150"/>
+                                  </p:stCondLst>
+                                  <p:childTnLst>
+                                    <p:set>
+                                      <p:cBhvr>
+                                        <p:cTn id="15" dur="1" fill="hold">
+                                          <p:stCondLst>
+                                            <p:cond delay="0"/>
+                                          </p:stCondLst>
+                                        </p:cTn>
+                                        <p:tgtEl>
+                                          <p:spTgt spid="25"/>
+                                        </p:tgtEl>
+                                        <p:attrNameLst>
+                                          <p:attrName>style.visibility</p:attrName>
+                                        </p:attrNameLst>
+                                      </p:cBhvr>
+                                      <p:to>
+                                        <p:strVal val="visible"/>
+                                      </p:to>
+                                    </p:set>
+                                  </p:childTnLst>
+                                </p:cTn>
+                              </p:par>
+                            </p:childTnLst>
+                          </p:cTn>
+                        </p:par>
+                        <p:par>
+                          <p:cTn id="16" fill="hold">
+                            <p:stCondLst>
+                              <p:cond delay="600"/>
+                            </p:stCondLst>
+                            <p:childTnLst>
+                              <p:par>
+                                <p:cTn id="17" presetID="1" presetClass="entr" presetSubtype="0" fill="hold" grpId="0" nodeType="afterEffect">
+                                  <p:stCondLst>
+                                    <p:cond delay="150"/>
+                                  </p:stCondLst>
+                                  <p:childTnLst>
+                                    <p:set>
+                                      <p:cBhvr>
+                                        <p:cTn id="18" dur="1" fill="hold">
+                                          <p:stCondLst>
+                                            <p:cond delay="0"/>
+                                          </p:stCondLst>
+                                        </p:cTn>
+                                        <p:tgtEl>
+                                          <p:spTgt spid="24"/>
+                                        </p:tgtEl>
+                                        <p:attrNameLst>
+                                          <p:attrName>style.visibility</p:attrName>
+                                        </p:attrNameLst>
+                                      </p:cBhvr>
+                                      <p:to>
+                                        <p:strVal val="visible"/>
+                                      </p:to>
+                                    </p:set>
+                                  </p:childTnLst>
+                                </p:cTn>
+                              </p:par>
+                            </p:childTnLst>
+                          </p:cTn>
+                        </p:par>
+                        <p:par>
+                          <p:cTn id="19" fill="hold">
+                            <p:stCondLst>
+                              <p:cond delay="750"/>
+                            </p:stCondLst>
+                            <p:childTnLst>
+                              <p:par>
+                                <p:cTn id="20" presetID="1" presetClass="entr" presetSubtype="0" fill="hold" grpId="0" nodeType="afterEffect">
+                                  <p:stCondLst>
+                                    <p:cond delay="150"/>
+                                  </p:stCondLst>
+                                  <p:childTnLst>
+                                    <p:set>
+                                      <p:cBhvr>
+                                        <p:cTn id="21" dur="1" fill="hold">
+                                          <p:stCondLst>
+                                            <p:cond delay="0"/>
+                                          </p:stCondLst>
+                                        </p:cTn>
+                                        <p:tgtEl>
+                                          <p:spTgt spid="23"/>
+                                        </p:tgtEl>
+                                        <p:attrNameLst>
+                                          <p:attrName>style.visibility</p:attrName>
+                                        </p:attrNameLst>
+                                      </p:cBhvr>
+                                      <p:to>
+                                        <p:strVal val="visible"/>
+                                      </p:to>
+                                    </p:set>
+                                  </p:childTnLst>
+                                </p:cTn>
+                              </p:par>
+                            </p:childTnLst>
+                          </p:cTn>
+                        </p:par>
+                        <p:par>
+                          <p:cTn id="22" fill="hold">
+                            <p:stCondLst>
+                              <p:cond delay="900"/>
+                            </p:stCondLst>
+                            <p:childTnLst>
+                              <p:par>
+                                <p:cTn id="23" presetID="1" presetClass="entr" presetSubtype="0" fill="hold" grpId="0" nodeType="afterEffect">
+                                  <p:stCondLst>
+                                    <p:cond delay="150"/>
+                                  </p:stCondLst>
+                                  <p:childTnLst>
+                                    <p:set>
+                                      <p:cBhvr>
+                                        <p:cTn id="24" dur="1" fill="hold">
+                                          <p:stCondLst>
+                                            <p:cond delay="0"/>
+                                          </p:stCondLst>
+                                        </p:cTn>
+                                        <p:tgtEl>
+                                          <p:spTgt spid="27"/>
+                                        </p:tgtEl>
+                                        <p:attrNameLst>
+                                          <p:attrName>style.visibility</p:attrName>
+                                        </p:attrNameLst>
+                                      </p:cBhvr>
+                                      <p:to>
+                                        <p:strVal val="visible"/>
+                                      </p:to>
+                                    </p:set>
+                                  </p:childTnLst>
+                                </p:cTn>
+                              </p:par>
+                            </p:childTnLst>
+                          </p:cTn>
+                        </p:par>
+                        <p:par>
+                          <p:cTn id="25" fill="hold">
+                            <p:stCondLst>
+                              <p:cond delay="1050"/>
+                            </p:stCondLst>
+                            <p:childTnLst>
+                              <p:par>
+                                <p:cTn id="26" presetID="1" presetClass="entr" presetSubtype="0" fill="hold" grpId="0" nodeType="afterEffect">
+                                  <p:stCondLst>
+                                    <p:cond delay="150"/>
+                                  </p:stCondLst>
+                                  <p:childTnLst>
+                                    <p:set>
+                                      <p:cBhvr>
+                                        <p:cTn id="27" dur="1" fill="hold">
+                                          <p:stCondLst>
+                                            <p:cond delay="0"/>
+                                          </p:stCondLst>
+                                        </p:cTn>
+                                        <p:tgtEl>
+                                          <p:spTgt spid="31"/>
+                                        </p:tgtEl>
+                                        <p:attrNameLst>
+                                          <p:attrName>style.visibility</p:attrName>
+                                        </p:attrNameLst>
+                                      </p:cBhvr>
+                                      <p:to>
+                                        <p:strVal val="visible"/>
+                                      </p:to>
+                                    </p:set>
+                                  </p:childTnLst>
+                                </p:cTn>
+                              </p:par>
+                            </p:childTnLst>
+                          </p:cTn>
+                        </p:par>
+                        <p:par>
+                          <p:cTn id="28" fill="hold">
+                            <p:stCondLst>
+                              <p:cond delay="1200"/>
+                            </p:stCondLst>
+                            <p:childTnLst>
+                              <p:par>
+                                <p:cTn id="29" presetID="1" presetClass="entr" presetSubtype="0" fill="hold" grpId="0" nodeType="afterEffect">
+                                  <p:stCondLst>
+                                    <p:cond delay="150"/>
+                                  </p:stCondLst>
+                                  <p:childTnLst>
+                                    <p:set>
+                                      <p:cBhvr>
+                                        <p:cTn id="30" dur="1" fill="hold">
+                                          <p:stCondLst>
+                                            <p:cond delay="0"/>
+                                          </p:stCondLst>
+                                        </p:cTn>
+                                        <p:tgtEl>
+                                          <p:spTgt spid="34"/>
+                                        </p:tgtEl>
+                                        <p:attrNameLst>
+                                          <p:attrName>style.visibility</p:attrName>
+                                        </p:attrNameLst>
+                                      </p:cBhvr>
+                                      <p:to>
+                                        <p:strVal val="visible"/>
+                                      </p:to>
+                                    </p:set>
+                                  </p:childTnLst>
+                                </p:cTn>
+                              </p:par>
+                            </p:childTnLst>
+                          </p:cTn>
+                        </p:par>
+                        <p:par>
+                          <p:cTn id="31" fill="hold">
+                            <p:stCondLst>
+                              <p:cond delay="1350"/>
+                            </p:stCondLst>
+                            <p:childTnLst>
+                              <p:par>
+                                <p:cTn id="32" presetID="1" presetClass="entr" presetSubtype="0" fill="hold" grpId="0" nodeType="afterEffect">
+                                  <p:stCondLst>
+                                    <p:cond delay="150"/>
+                                  </p:stCondLst>
+                                  <p:childTnLst>
+                                    <p:set>
+                                      <p:cBhvr>
+                                        <p:cTn id="33" dur="1" fill="hold">
+                                          <p:stCondLst>
+                                            <p:cond delay="0"/>
+                                          </p:stCondLst>
+                                        </p:cTn>
+                                        <p:tgtEl>
+                                          <p:spTgt spid="26"/>
+                                        </p:tgtEl>
+                                        <p:attrNameLst>
+                                          <p:attrName>style.visibility</p:attrName>
+                                        </p:attrNameLst>
+                                      </p:cBhvr>
+                                      <p:to>
+                                        <p:strVal val="visible"/>
+                                      </p:to>
+                                    </p:set>
+                                  </p:childTnLst>
+                                </p:cTn>
+                              </p:par>
+                            </p:childTnLst>
+                          </p:cTn>
+                        </p:par>
+                        <p:par>
+                          <p:cTn id="34" fill="hold">
+                            <p:stCondLst>
+                              <p:cond delay="1500"/>
+                            </p:stCondLst>
+                            <p:childTnLst>
+                              <p:par>
+                                <p:cTn id="35" presetID="6" presetClass="entr" presetSubtype="16" fill="hold" grpId="0" nodeType="afterEffect">
+                                  <p:stCondLst>
+                                    <p:cond delay="0"/>
+                                  </p:stCondLst>
+                                  <p:childTnLst>
+                                    <p:set>
+                                      <p:cBhvr>
+                                        <p:cTn id="36" dur="1" fill="hold">
+                                          <p:stCondLst>
+                                            <p:cond delay="0"/>
+                                          </p:stCondLst>
+                                        </p:cTn>
+                                        <p:tgtEl>
+                                          <p:spTgt spid="6"/>
+                                        </p:tgtEl>
+                                        <p:attrNameLst>
+                                          <p:attrName>style.visibility</p:attrName>
+                                        </p:attrNameLst>
+                                      </p:cBhvr>
+                                      <p:to>
+                                        <p:strVal val="visible"/>
+                                      </p:to>
+                                    </p:set>
+                                    <p:animEffect transition="in" filter="circle(in)">
+                                      <p:cBhvr>
+                                        <p:cTn id="37" dur="2000"/>
+                                        <p:tgtEl>
+                                          <p:spTgt spid="6"/>
+                                        </p:tgtEl>
+                                      </p:cBhvr>
+                                    </p:animEffect>
+                                  </p:childTnLst>
+                                </p:cTn>
+                              </p:par>
+                              <p:par>
+                                <p:cTn id="38" presetID="6" presetClass="entr" presetSubtype="16" fill="hold" grpId="0" nodeType="withEffect">
+                                  <p:stCondLst>
+                                    <p:cond delay="150"/>
+                                  </p:stCondLst>
+                                  <p:childTnLst>
+                                    <p:set>
+                                      <p:cBhvr>
+                                        <p:cTn id="39" dur="1" fill="hold">
+                                          <p:stCondLst>
+                                            <p:cond delay="0"/>
+                                          </p:stCondLst>
+                                        </p:cTn>
+                                        <p:tgtEl>
+                                          <p:spTgt spid="7"/>
+                                        </p:tgtEl>
+                                        <p:attrNameLst>
+                                          <p:attrName>style.visibility</p:attrName>
+                                        </p:attrNameLst>
+                                      </p:cBhvr>
+                                      <p:to>
+                                        <p:strVal val="visible"/>
+                                      </p:to>
+                                    </p:set>
+                                    <p:animEffect transition="in" filter="circle(in)">
+                                      <p:cBhvr>
+                                        <p:cTn id="40" dur="2000"/>
+                                        <p:tgtEl>
+                                          <p:spTgt spid="7"/>
+                                        </p:tgtEl>
+                                      </p:cBhvr>
+                                    </p:animEffect>
+                                  </p:childTnLst>
+                                </p:cTn>
+                              </p:par>
+                              <p:par>
+                                <p:cTn id="41" presetID="6" presetClass="entr" presetSubtype="16" fill="hold" grpId="0" nodeType="withEffect">
+                                  <p:stCondLst>
+                                    <p:cond delay="150"/>
+                                  </p:stCondLst>
+                                  <p:childTnLst>
+                                    <p:set>
+                                      <p:cBhvr>
+                                        <p:cTn id="42" dur="1" fill="hold">
+                                          <p:stCondLst>
+                                            <p:cond delay="0"/>
+                                          </p:stCondLst>
+                                        </p:cTn>
+                                        <p:tgtEl>
+                                          <p:spTgt spid="9"/>
+                                        </p:tgtEl>
+                                        <p:attrNameLst>
+                                          <p:attrName>style.visibility</p:attrName>
+                                        </p:attrNameLst>
+                                      </p:cBhvr>
+                                      <p:to>
+                                        <p:strVal val="visible"/>
+                                      </p:to>
+                                    </p:set>
+                                    <p:animEffect transition="in" filter="circle(in)">
+                                      <p:cBhvr>
+                                        <p:cTn id="43" dur="2000"/>
+                                        <p:tgtEl>
+                                          <p:spTgt spid="9"/>
+                                        </p:tgtEl>
+                                      </p:cBhvr>
+                                    </p:animEffect>
+                                  </p:childTnLst>
+                                </p:cTn>
+                              </p:par>
+                              <p:par>
+                                <p:cTn id="44" presetID="6" presetClass="entr" presetSubtype="16" fill="hold" grpId="0" nodeType="withEffect">
+                                  <p:stCondLst>
+                                    <p:cond delay="150"/>
+                                  </p:stCondLst>
+                                  <p:childTnLst>
+                                    <p:set>
+                                      <p:cBhvr>
+                                        <p:cTn id="45" dur="1" fill="hold">
+                                          <p:stCondLst>
+                                            <p:cond delay="0"/>
+                                          </p:stCondLst>
+                                        </p:cTn>
+                                        <p:tgtEl>
+                                          <p:spTgt spid="11"/>
+                                        </p:tgtEl>
+                                        <p:attrNameLst>
+                                          <p:attrName>style.visibility</p:attrName>
+                                        </p:attrNameLst>
+                                      </p:cBhvr>
+                                      <p:to>
+                                        <p:strVal val="visible"/>
+                                      </p:to>
+                                    </p:set>
+                                    <p:animEffect transition="in" filter="circle(in)">
+                                      <p:cBhvr>
+                                        <p:cTn id="46" dur="2000"/>
+                                        <p:tgtEl>
+                                          <p:spTgt spid="11"/>
+                                        </p:tgtEl>
+                                      </p:cBhvr>
+                                    </p:animEffect>
+                                  </p:childTnLst>
+                                </p:cTn>
+                              </p:par>
+                              <p:par>
+                                <p:cTn id="47" presetID="6" presetClass="entr" presetSubtype="16" fill="hold" grpId="0" nodeType="withEffect">
+                                  <p:stCondLst>
+                                    <p:cond delay="150"/>
+                                  </p:stCondLst>
+                                  <p:childTnLst>
+                                    <p:set>
+                                      <p:cBhvr>
+                                        <p:cTn id="48" dur="1" fill="hold">
+                                          <p:stCondLst>
+                                            <p:cond delay="0"/>
+                                          </p:stCondLst>
+                                        </p:cTn>
+                                        <p:tgtEl>
+                                          <p:spTgt spid="13"/>
+                                        </p:tgtEl>
+                                        <p:attrNameLst>
+                                          <p:attrName>style.visibility</p:attrName>
+                                        </p:attrNameLst>
+                                      </p:cBhvr>
+                                      <p:to>
+                                        <p:strVal val="visible"/>
+                                      </p:to>
+                                    </p:set>
+                                    <p:animEffect transition="in" filter="circle(in)">
+                                      <p:cBhvr>
+                                        <p:cTn id="49" dur="2000"/>
+                                        <p:tgtEl>
+                                          <p:spTgt spid="13"/>
+                                        </p:tgtEl>
+                                      </p:cBhvr>
+                                    </p:animEffect>
+                                  </p:childTnLst>
+                                </p:cTn>
+                              </p:par>
+                              <p:par>
+                                <p:cTn id="50" presetID="6" presetClass="entr" presetSubtype="16" fill="hold" grpId="0" nodeType="withEffect">
+                                  <p:stCondLst>
+                                    <p:cond delay="150"/>
+                                  </p:stCondLst>
+                                  <p:childTnLst>
+                                    <p:set>
+                                      <p:cBhvr>
+                                        <p:cTn id="51" dur="1" fill="hold">
+                                          <p:stCondLst>
+                                            <p:cond delay="0"/>
+                                          </p:stCondLst>
+                                        </p:cTn>
+                                        <p:tgtEl>
+                                          <p:spTgt spid="8"/>
+                                        </p:tgtEl>
+                                        <p:attrNameLst>
+                                          <p:attrName>style.visibility</p:attrName>
+                                        </p:attrNameLst>
+                                      </p:cBhvr>
+                                      <p:to>
+                                        <p:strVal val="visible"/>
+                                      </p:to>
+                                    </p:set>
+                                    <p:animEffect transition="in" filter="circle(in)">
+                                      <p:cBhvr>
+                                        <p:cTn id="52" dur="2000"/>
+                                        <p:tgtEl>
+                                          <p:spTgt spid="8"/>
+                                        </p:tgtEl>
+                                      </p:cBhvr>
+                                    </p:animEffect>
+                                  </p:childTnLst>
+                                </p:cTn>
+                              </p:par>
+                              <p:par>
+                                <p:cTn id="53" presetID="6" presetClass="entr" presetSubtype="16" fill="hold" grpId="0" nodeType="withEffect">
+                                  <p:stCondLst>
+                                    <p:cond delay="150"/>
+                                  </p:stCondLst>
+                                  <p:childTnLst>
+                                    <p:set>
+                                      <p:cBhvr>
+                                        <p:cTn id="54" dur="1" fill="hold">
+                                          <p:stCondLst>
+                                            <p:cond delay="0"/>
+                                          </p:stCondLst>
+                                        </p:cTn>
+                                        <p:tgtEl>
+                                          <p:spTgt spid="15"/>
+                                        </p:tgtEl>
+                                        <p:attrNameLst>
+                                          <p:attrName>style.visibility</p:attrName>
+                                        </p:attrNameLst>
+                                      </p:cBhvr>
+                                      <p:to>
+                                        <p:strVal val="visible"/>
+                                      </p:to>
+                                    </p:set>
+                                    <p:animEffect transition="in" filter="circle(in)">
+                                      <p:cBhvr>
+                                        <p:cTn id="55" dur="2000"/>
+                                        <p:tgtEl>
+                                          <p:spTgt spid="15"/>
+                                        </p:tgtEl>
+                                      </p:cBhvr>
+                                    </p:animEffect>
+                                  </p:childTnLst>
+                                </p:cTn>
+                              </p:par>
+                              <p:par>
+                                <p:cTn id="56" presetID="6" presetClass="entr" presetSubtype="16" fill="hold" grpId="0" nodeType="withEffect">
+                                  <p:stCondLst>
+                                    <p:cond delay="150"/>
+                                  </p:stCondLst>
+                                  <p:childTnLst>
+                                    <p:set>
+                                      <p:cBhvr>
+                                        <p:cTn id="57" dur="1" fill="hold">
+                                          <p:stCondLst>
+                                            <p:cond delay="0"/>
+                                          </p:stCondLst>
+                                        </p:cTn>
+                                        <p:tgtEl>
+                                          <p:spTgt spid="19"/>
+                                        </p:tgtEl>
+                                        <p:attrNameLst>
+                                          <p:attrName>style.visibility</p:attrName>
+                                        </p:attrNameLst>
+                                      </p:cBhvr>
+                                      <p:to>
+                                        <p:strVal val="visible"/>
+                                      </p:to>
+                                    </p:set>
+                                    <p:animEffect transition="in" filter="circle(in)">
+                                      <p:cBhvr>
+                                        <p:cTn id="58" dur="2000"/>
+                                        <p:tgtEl>
+                                          <p:spTgt spid="19"/>
+                                        </p:tgtEl>
+                                      </p:cBhvr>
+                                    </p:animEffect>
+                                  </p:childTnLst>
+                                </p:cTn>
+                              </p:par>
+                              <p:par>
+                                <p:cTn id="59" presetID="6" presetClass="entr" presetSubtype="16" fill="hold" grpId="0" nodeType="withEffect">
+                                  <p:stCondLst>
+                                    <p:cond delay="150"/>
+                                  </p:stCondLst>
+                                  <p:childTnLst>
+                                    <p:set>
+                                      <p:cBhvr>
+                                        <p:cTn id="60" dur="1" fill="hold">
+                                          <p:stCondLst>
+                                            <p:cond delay="0"/>
+                                          </p:stCondLst>
+                                        </p:cTn>
+                                        <p:tgtEl>
+                                          <p:spTgt spid="20"/>
+                                        </p:tgtEl>
+                                        <p:attrNameLst>
+                                          <p:attrName>style.visibility</p:attrName>
+                                        </p:attrNameLst>
+                                      </p:cBhvr>
+                                      <p:to>
+                                        <p:strVal val="visible"/>
+                                      </p:to>
+                                    </p:set>
+                                    <p:animEffect transition="in" filter="circle(in)">
+                                      <p:cBhvr>
+                                        <p:cTn id="61" dur="2000"/>
+                                        <p:tgtEl>
+                                          <p:spTgt spid="20"/>
+                                        </p:tgtEl>
+                                      </p:cBhvr>
+                                    </p:animEffect>
+                                  </p:childTnLst>
+                                </p:cTn>
+                              </p:par>
+                              <p:par>
+                                <p:cTn id="62" presetID="6" presetClass="entr" presetSubtype="16" fill="hold" grpId="0" nodeType="withEffect">
+                                  <p:stCondLst>
+                                    <p:cond delay="150"/>
+                                  </p:stCondLst>
+                                  <p:childTnLst>
+                                    <p:set>
+                                      <p:cBhvr>
+                                        <p:cTn id="63" dur="1" fill="hold">
+                                          <p:stCondLst>
+                                            <p:cond delay="0"/>
+                                          </p:stCondLst>
+                                        </p:cTn>
+                                        <p:tgtEl>
+                                          <p:spTgt spid="21"/>
+                                        </p:tgtEl>
+                                        <p:attrNameLst>
+                                          <p:attrName>style.visibility</p:attrName>
+                                        </p:attrNameLst>
+                                      </p:cBhvr>
+                                      <p:to>
+                                        <p:strVal val="visible"/>
+                                      </p:to>
+                                    </p:set>
+                                    <p:animEffect transition="in" filter="circle(in)">
+                                      <p:cBhvr>
+                                        <p:cTn id="64" dur="2000"/>
+                                        <p:tgtEl>
+                                          <p:spTgt spid="21"/>
+                                        </p:tgtEl>
+                                      </p:cBhvr>
+                                    </p:animEffect>
+                                  </p:childTnLst>
+                                </p:cTn>
+                              </p:par>
+                            </p:childTnLst>
+                          </p:cTn>
+                        </p:par>
+                      </p:childTnLst>
+                    </p:cTn>
+                  </p:par>
+                </p:childTnLst>
+              </p:cTn>
+              <p:prevCondLst>
+                <p:cond evt="onPrev" delay="0">
+                  <p:tgtEl>
+                    <p:sldTgt/>
+                  </p:tgtEl>
+                </p:cond>
+              </p:prevCondLst>
+              <p:nextCondLst>
+                <p:cond evt="onNext" delay="0">
+                  <p:tgtEl>
+                    <p:sldTgt/>
+                  </p:tgtEl>
+                </p:cond>
+              </p:nextCondLst>
+            </p:seq>
+          </p:childTnLst>
+        </p:cTn>
+      </p:par>
+    </p:tnLst>
+    <p:bldLst>
+      <p:bldP spid="6" grpId="0"/>
+      <p:bldP spid="7" grpId="0"/>
+      <p:bldP spid="8" grpId="0"/>
+      <p:bldP spid="9" grpId="0"/>
+      <p:bldP spid="11" grpId="0"/>
+      <p:bldP spid="13" grpId="0"/>
+      <p:bldP spid="15" grpId="0"/>
+      <p:bldP spid="19" grpId="0"/>
+      <p:bldP spid="20" grpId="0"/>
+      <p:bldP spid="21" grpId="0"/>
+      <p:bldP spid="23" grpId="0" animBg="1"/>
+      <p:bldP spid="24" grpId="0" animBg="1"/>
+      <p:bldP spid="25" grpId="0" animBg="1"/>
+      <p:bldP spid="26" grpId="0" animBg="1"/>
+      <p:bldP spid="27" grpId="0" animBg="1"/>
+      <p:bldP spid="28" grpId="0" animBg="1"/>
+      <p:bldP spid="30" grpId="0" animBg="1"/>
+      <p:bldP spid="31" grpId="0" animBg="1"/>
+      <p:bldP spid="32" grpId="0" animBg="1"/>
+      <p:bldP spid="34" grpId="0" animBg="1"/>
+    </p:bldLst>
+  </p:timing>
+</p:sld>
+</file>
+
+<file path=ppt/slides/slide7.xml><?xml version="1.0" encoding="utf-8"?>
+<p:sld xmlns:a="http://schemas.openxmlformats.org/drawingml/2006/main" xmlns:r="http://schemas.openxmlformats.org/officeDocument/2006/relationships" xmlns:p="http://schemas.openxmlformats.org/presentationml/2006/main">
+  <p:cSld>
+    <p:bg>
+      <p:bgPr>
+        <a:solidFill>
+          <a:schemeClr val="bg1"/>
+        </a:solidFill>
+        <a:effectLst/>
+      </p:bgPr>
+    </p:bg>
+    <p:spTree>
+      <p:nvGrpSpPr>
+        <p:cNvPr id="1" name=""/>
+        <p:cNvGrpSpPr/>
+        <p:nvPr/>
+      </p:nvGrpSpPr>
+      <p:grpSpPr>
+        <a:xfrm>
+          <a:off x="0" y="0"/>
+          <a:ext cx="0" cy="0"/>
+          <a:chOff x="0" y="0"/>
+          <a:chExt cx="0" cy="0"/>
+        </a:xfrm>
+      </p:grpSpPr>
+      <p:sp useBgFill="1">
+        <p:nvSpPr>
+          <p:cNvPr id="11" name="Rectangle 10">
             <a:extLst>
               <a:ext uri="{FF2B5EF4-FFF2-40B4-BE49-F238E27FC236}">
-                <a16:creationId xmlns:a16="http://schemas.microsoft.com/office/drawing/2014/main" id="{84FCAC40-171B-48C7-9170-97A61A652974}"/>
+                <a16:creationId xmlns:a16="http://schemas.microsoft.com/office/drawing/2014/main" id="{201CC55D-ED54-4C5C-95E6-10947BD1103B}"/>
+              </a:ext>
+              <a:ext uri="{C183D7F6-B498-43B3-948B-1728B52AA6E4}">
+                <adec:decorative xmlns:adec="http://schemas.microsoft.com/office/drawing/2017/decorative" val="1"/>
               </a:ext>
             </a:extLst>
           </p:cNvPr>
-          <p:cNvSpPr/>
-          <p:nvPr/>
+          <p:cNvSpPr>
+            <a:spLocks noGrp="1" noRot="1" noChangeAspect="1" noMove="1" noResize="1" noEditPoints="1" noAdjustHandles="1" noChangeArrowheads="1" noChangeShapeType="1" noTextEdit="1"/>
+          </p:cNvSpPr>
+          <p:nvPr>
+            <p:extLst>
+              <p:ext uri="{386F3935-93C4-4BCD-93E2-E3B085C9AB24}">
+                <p16:designElem xmlns:p16="http://schemas.microsoft.com/office/powerpoint/2015/main" val="1"/>
+              </p:ext>
+            </p:extLst>
+          </p:nvPr>
         </p:nvSpPr>
         <p:spPr>
-          <a:xfrm rot="5400000" flipV="1">
-            <a:off x="9337148" y="4252112"/>
-            <a:ext cx="3102993" cy="1931436"/>
+          <a:xfrm>
+            <a:off x="0" y="0"/>
+            <a:ext cx="12191999" cy="6857365"/>
           </a:xfrm>
-          <a:prstGeom prst="corner">
-            <a:avLst>
-              <a:gd name="adj1" fmla="val 40812"/>
-              <a:gd name="adj2" fmla="val 48477"/>
-            </a:avLst>
+          <a:prstGeom prst="rect">
+            <a:avLst/>
+          </a:prstGeom>
+          <a:ln>
+            <a:noFill/>
+          </a:ln>
+        </p:spPr>
+        <p:style>
+          <a:lnRef idx="2">
+            <a:schemeClr val="accent1">
+              <a:shade val="50000"/>
+            </a:schemeClr>
+          </a:lnRef>
+          <a:fillRef idx="1">
+            <a:schemeClr val="accent1"/>
+          </a:fillRef>
+          <a:effectRef idx="0">
+            <a:schemeClr val="accent1"/>
+          </a:effectRef>
+          <a:fontRef idx="minor">
+            <a:schemeClr val="lt1"/>
+          </a:fontRef>
+        </p:style>
+        <p:txBody>
+          <a:bodyPr rtlCol="0" anchor="ctr"/>
+          <a:lstStyle/>
+          <a:p>
+            <a:pPr algn="ctr"/>
+            <a:endParaRPr lang="en-US"/>
+          </a:p>
+        </p:txBody>
+      </p:sp>
+      <p:grpSp>
+        <p:nvGrpSpPr>
+          <p:cNvPr id="13" name="Group 12">
+            <a:extLst>
+              <a:ext uri="{FF2B5EF4-FFF2-40B4-BE49-F238E27FC236}">
+                <a16:creationId xmlns:a16="http://schemas.microsoft.com/office/drawing/2014/main" id="{1DE889C7-FAD6-4397-98E2-05D503484459}"/>
+              </a:ext>
+              <a:ext uri="{C183D7F6-B498-43B3-948B-1728B52AA6E4}">
+                <adec:decorative xmlns:adec="http://schemas.microsoft.com/office/drawing/2017/decorative" val="1"/>
+              </a:ext>
+            </a:extLst>
+          </p:cNvPr>
+          <p:cNvGrpSpPr>
+            <a:grpSpLocks noGrp="1" noUngrp="1" noRot="1" noChangeAspect="1" noMove="1" noResize="1"/>
+          </p:cNvGrpSpPr>
+          <p:nvPr>
+            <p:extLst>
+              <p:ext uri="{386F3935-93C4-4BCD-93E2-E3B085C9AB24}">
+                <p16:designElem xmlns:p16="http://schemas.microsoft.com/office/powerpoint/2015/main" val="1"/>
+              </p:ext>
+            </p:extLst>
+          </p:nvPr>
+        </p:nvGrpSpPr>
+        <p:grpSpPr>
+          <a:xfrm>
+            <a:off x="0" y="1083484"/>
+            <a:ext cx="355196" cy="673460"/>
+            <a:chOff x="0" y="823811"/>
+            <a:chExt cx="355196" cy="673460"/>
+          </a:xfrm>
+        </p:grpSpPr>
+        <p:sp>
+          <p:nvSpPr>
+            <p:cNvPr id="14" name="Rectangle 13">
+              <a:extLst>
+                <a:ext uri="{FF2B5EF4-FFF2-40B4-BE49-F238E27FC236}">
+                  <a16:creationId xmlns:a16="http://schemas.microsoft.com/office/drawing/2014/main" id="{F399A70F-F8CD-4992-9EF5-6CF15472E73F}"/>
+                </a:ext>
+                <a:ext uri="{C183D7F6-B498-43B3-948B-1728B52AA6E4}">
+                  <adec:decorative xmlns:adec="http://schemas.microsoft.com/office/drawing/2017/decorative" val="1"/>
+                </a:ext>
+              </a:extLst>
+            </p:cNvPr>
+            <p:cNvSpPr/>
+            <p:nvPr>
+              <p:extLst>
+                <p:ext uri="{386F3935-93C4-4BCD-93E2-E3B085C9AB24}">
+                  <p16:designElem xmlns:p16="http://schemas.microsoft.com/office/powerpoint/2015/main" val="1"/>
+                </p:ext>
+              </p:extLst>
+            </p:nvPr>
+          </p:nvSpPr>
+          <p:spPr>
+            <a:xfrm>
+              <a:off x="0" y="823811"/>
+              <a:ext cx="87363" cy="673460"/>
+            </a:xfrm>
+            <a:prstGeom prst="rect">
+              <a:avLst/>
+            </a:prstGeom>
+            <a:solidFill>
+              <a:schemeClr val="accent4"/>
+            </a:solidFill>
+            <a:ln>
+              <a:noFill/>
+            </a:ln>
+          </p:spPr>
+          <p:style>
+            <a:lnRef idx="2">
+              <a:schemeClr val="accent1">
+                <a:shade val="50000"/>
+              </a:schemeClr>
+            </a:lnRef>
+            <a:fillRef idx="1">
+              <a:schemeClr val="accent1"/>
+            </a:fillRef>
+            <a:effectRef idx="0">
+              <a:schemeClr val="accent1"/>
+            </a:effectRef>
+            <a:fontRef idx="minor">
+              <a:schemeClr val="lt1"/>
+            </a:fontRef>
+          </p:style>
+          <p:txBody>
+            <a:bodyPr rtlCol="0" anchor="ctr"/>
+            <a:lstStyle/>
+            <a:p>
+              <a:pPr algn="ctr"/>
+              <a:endParaRPr lang="en-US"/>
+            </a:p>
+          </p:txBody>
+        </p:sp>
+        <p:sp>
+          <p:nvSpPr>
+            <p:cNvPr id="15" name="Rectangle 14">
+              <a:extLst>
+                <a:ext uri="{FF2B5EF4-FFF2-40B4-BE49-F238E27FC236}">
+                  <a16:creationId xmlns:a16="http://schemas.microsoft.com/office/drawing/2014/main" id="{48F4FEDC-6D80-458C-A665-075D9B9500FD}"/>
+                </a:ext>
+                <a:ext uri="{C183D7F6-B498-43B3-948B-1728B52AA6E4}">
+                  <adec:decorative xmlns:adec="http://schemas.microsoft.com/office/drawing/2017/decorative" val="1"/>
+                </a:ext>
+              </a:extLst>
+            </p:cNvPr>
+            <p:cNvSpPr/>
+            <p:nvPr>
+              <p:extLst>
+                <p:ext uri="{386F3935-93C4-4BCD-93E2-E3B085C9AB24}">
+                  <p16:designElem xmlns:p16="http://schemas.microsoft.com/office/powerpoint/2015/main" val="1"/>
+                </p:ext>
+              </p:extLst>
+            </p:nvPr>
+          </p:nvSpPr>
+          <p:spPr>
+            <a:xfrm>
+              <a:off x="159341" y="823811"/>
+              <a:ext cx="195855" cy="673460"/>
+            </a:xfrm>
+            <a:prstGeom prst="rect">
+              <a:avLst/>
+            </a:prstGeom>
+            <a:solidFill>
+              <a:schemeClr val="accent4"/>
+            </a:solidFill>
+            <a:ln>
+              <a:noFill/>
+            </a:ln>
+          </p:spPr>
+          <p:style>
+            <a:lnRef idx="2">
+              <a:schemeClr val="accent1">
+                <a:shade val="50000"/>
+              </a:schemeClr>
+            </a:lnRef>
+            <a:fillRef idx="1">
+              <a:schemeClr val="accent1"/>
+            </a:fillRef>
+            <a:effectRef idx="0">
+              <a:schemeClr val="accent1"/>
+            </a:effectRef>
+            <a:fontRef idx="minor">
+              <a:schemeClr val="lt1"/>
+            </a:fontRef>
+          </p:style>
+          <p:txBody>
+            <a:bodyPr rtlCol="0" anchor="ctr"/>
+            <a:lstStyle/>
+            <a:p>
+              <a:pPr algn="ctr"/>
+              <a:endParaRPr lang="en-US"/>
+            </a:p>
+          </p:txBody>
+        </p:sp>
+      </p:grpSp>
+      <p:sp>
+        <p:nvSpPr>
+          <p:cNvPr id="17" name="Rectangle 16">
+            <a:extLst>
+              <a:ext uri="{FF2B5EF4-FFF2-40B4-BE49-F238E27FC236}">
+                <a16:creationId xmlns:a16="http://schemas.microsoft.com/office/drawing/2014/main" id="{3873B707-463F-40B0-8227-E8CC6C67EB25}"/>
+              </a:ext>
+              <a:ext uri="{C183D7F6-B498-43B3-948B-1728B52AA6E4}">
+                <adec:decorative xmlns:adec="http://schemas.microsoft.com/office/drawing/2017/decorative" val="1"/>
+              </a:ext>
+            </a:extLst>
+          </p:cNvPr>
+          <p:cNvSpPr>
+            <a:spLocks noGrp="1" noRot="1" noChangeAspect="1" noMove="1" noResize="1" noEditPoints="1" noAdjustHandles="1" noChangeArrowheads="1" noChangeShapeType="1" noTextEdit="1"/>
+          </p:cNvSpPr>
+          <p:nvPr>
+            <p:extLst>
+              <p:ext uri="{386F3935-93C4-4BCD-93E2-E3B085C9AB24}">
+                <p16:designElem xmlns:p16="http://schemas.microsoft.com/office/powerpoint/2015/main" val="1"/>
+              </p:ext>
+            </p:extLst>
+          </p:nvPr>
+        </p:nvSpPr>
+        <p:spPr>
+          <a:xfrm flipH="1">
+            <a:off x="665085" y="2090569"/>
+            <a:ext cx="4297680" cy="27432"/>
+          </a:xfrm>
+          <a:prstGeom prst="rect">
+            <a:avLst/>
           </a:prstGeom>
           <a:solidFill>
+            <a:schemeClr val="accent4"/>
+          </a:solidFill>
+          <a:ln>
+            <a:noFill/>
+          </a:ln>
+        </p:spPr>
+        <p:style>
+          <a:lnRef idx="2">
             <a:schemeClr val="accent1">
-              <a:lumMod val="20000"/>
-              <a:lumOff val="80000"/>
+              <a:shade val="50000"/>
+            </a:schemeClr>
+          </a:lnRef>
+          <a:fillRef idx="1">
+            <a:schemeClr val="accent1"/>
+          </a:fillRef>
+          <a:effectRef idx="0">
+            <a:schemeClr val="accent1"/>
+          </a:effectRef>
+          <a:fontRef idx="minor">
+            <a:schemeClr val="lt1"/>
+          </a:fontRef>
+        </p:style>
+        <p:txBody>
+          <a:bodyPr rtlCol="0" anchor="ctr"/>
+          <a:lstStyle/>
+          <a:p>
+            <a:pPr algn="ctr"/>
+            <a:endParaRPr lang="en-US"/>
+          </a:p>
+        </p:txBody>
+      </p:sp>
+      <p:sp>
+        <p:nvSpPr>
+          <p:cNvPr id="6" name="תיבת טקסט 5">
+            <a:extLst>
+              <a:ext uri="{FF2B5EF4-FFF2-40B4-BE49-F238E27FC236}">
+                <a16:creationId xmlns:a16="http://schemas.microsoft.com/office/drawing/2014/main" id="{18ECEE9F-2E49-4C62-B9A4-BB128AEB9F56}"/>
+              </a:ext>
+            </a:extLst>
+          </p:cNvPr>
+          <p:cNvSpPr txBox="1"/>
+          <p:nvPr/>
+        </p:nvSpPr>
+        <p:spPr>
+          <a:xfrm>
+            <a:off x="590719" y="2330505"/>
+            <a:ext cx="4559425" cy="3979585"/>
+          </a:xfrm>
+          <a:prstGeom prst="rect">
+            <a:avLst/>
+          </a:prstGeom>
+        </p:spPr>
+        <p:txBody>
+          <a:bodyPr vert="horz" lIns="91440" tIns="45720" rIns="91440" bIns="45720" rtlCol="0" anchor="ctr">
+            <a:normAutofit/>
+          </a:bodyPr>
+          <a:lstStyle/>
+          <a:p>
+            <a:pPr indent="-228600" defTabSz="914400">
+              <a:lnSpc>
+                <a:spcPct val="90000"/>
+              </a:lnSpc>
+              <a:spcAft>
+                <a:spcPts val="600"/>
+              </a:spcAft>
+              <a:buFont typeface="Arial" panose="020B0604020202020204" pitchFamily="34" charset="0"/>
+              <a:buChar char="•"/>
+            </a:pPr>
+            <a:r>
+              <a:rPr lang="en-US" sz="2000" dirty="0"/>
+              <a:t>Giving a rating to each category</a:t>
+            </a:r>
+          </a:p>
+          <a:p>
+            <a:pPr indent="-228600" defTabSz="914400">
+              <a:lnSpc>
+                <a:spcPct val="90000"/>
+              </a:lnSpc>
+              <a:spcAft>
+                <a:spcPts val="600"/>
+              </a:spcAft>
+              <a:buFont typeface="Arial" panose="020B0604020202020204" pitchFamily="34" charset="0"/>
+              <a:buChar char="•"/>
+            </a:pPr>
+            <a:endParaRPr lang="en-US" sz="2000" dirty="0"/>
+          </a:p>
+          <a:p>
+            <a:pPr indent="-228600" defTabSz="914400">
+              <a:lnSpc>
+                <a:spcPct val="90000"/>
+              </a:lnSpc>
+              <a:spcAft>
+                <a:spcPts val="600"/>
+              </a:spcAft>
+              <a:buFont typeface="Arial" panose="020B0604020202020204" pitchFamily="34" charset="0"/>
+              <a:buChar char="•"/>
+            </a:pPr>
+            <a:r>
+              <a:rPr lang="en-US" sz="2000" dirty="0"/>
+              <a:t>Determining a weighted score for the process</a:t>
+            </a:r>
+          </a:p>
+        </p:txBody>
+      </p:sp>
+      <p:sp>
+        <p:nvSpPr>
+          <p:cNvPr id="19" name="Rectangle 18">
+            <a:extLst>
+              <a:ext uri="{FF2B5EF4-FFF2-40B4-BE49-F238E27FC236}">
+                <a16:creationId xmlns:a16="http://schemas.microsoft.com/office/drawing/2014/main" id="{C13237C8-E62C-4F0D-A318-BD6FB6C2D138}"/>
+              </a:ext>
+              <a:ext uri="{C183D7F6-B498-43B3-948B-1728B52AA6E4}">
+                <adec:decorative xmlns:adec="http://schemas.microsoft.com/office/drawing/2017/decorative" val="1"/>
+              </a:ext>
+            </a:extLst>
+          </p:cNvPr>
+          <p:cNvSpPr>
+            <a:spLocks noGrp="1" noRot="1" noChangeAspect="1" noMove="1" noResize="1" noEditPoints="1" noAdjustHandles="1" noChangeArrowheads="1" noChangeShapeType="1" noTextEdit="1"/>
+          </p:cNvSpPr>
+          <p:nvPr>
+            <p:extLst>
+              <p:ext uri="{386F3935-93C4-4BCD-93E2-E3B085C9AB24}">
+                <p16:designElem xmlns:p16="http://schemas.microsoft.com/office/powerpoint/2015/main" val="1"/>
+              </p:ext>
+            </p:extLst>
+          </p:nvPr>
+        </p:nvSpPr>
+        <p:spPr>
+          <a:xfrm flipH="1">
+            <a:off x="10697670" y="0"/>
+            <a:ext cx="1494330" cy="6858000"/>
+          </a:xfrm>
+          <a:prstGeom prst="rect">
+            <a:avLst/>
+          </a:prstGeom>
+          <a:solidFill>
+            <a:schemeClr val="accent4"/>
+          </a:solidFill>
+          <a:ln>
+            <a:noFill/>
+          </a:ln>
+        </p:spPr>
+        <p:style>
+          <a:lnRef idx="2">
+            <a:schemeClr val="accent1">
+              <a:shade val="50000"/>
+            </a:schemeClr>
+          </a:lnRef>
+          <a:fillRef idx="1">
+            <a:schemeClr val="accent1"/>
+          </a:fillRef>
+          <a:effectRef idx="0">
+            <a:schemeClr val="accent1"/>
+          </a:effectRef>
+          <a:fontRef idx="minor">
+            <a:schemeClr val="lt1"/>
+          </a:fontRef>
+        </p:style>
+        <p:txBody>
+          <a:bodyPr rtlCol="0" anchor="ctr"/>
+          <a:lstStyle/>
+          <a:p>
+            <a:pPr algn="ctr"/>
+            <a:endParaRPr lang="en-US"/>
+          </a:p>
+        </p:txBody>
+      </p:sp>
+      <p:sp>
+        <p:nvSpPr>
+          <p:cNvPr id="21" name="Rectangle 20">
+            <a:extLst>
+              <a:ext uri="{FF2B5EF4-FFF2-40B4-BE49-F238E27FC236}">
+                <a16:creationId xmlns:a16="http://schemas.microsoft.com/office/drawing/2014/main" id="{19C9EAEA-39D0-4B0E-A0EB-51E7B26740B1}"/>
+              </a:ext>
+              <a:ext uri="{C183D7F6-B498-43B3-948B-1728B52AA6E4}">
+                <adec:decorative xmlns:adec="http://schemas.microsoft.com/office/drawing/2017/decorative" val="1"/>
+              </a:ext>
+            </a:extLst>
+          </p:cNvPr>
+          <p:cNvSpPr>
+            <a:spLocks noGrp="1" noRot="1" noChangeAspect="1" noMove="1" noResize="1" noEditPoints="1" noAdjustHandles="1" noChangeArrowheads="1" noChangeShapeType="1" noTextEdit="1"/>
+          </p:cNvSpPr>
+          <p:nvPr>
+            <p:extLst>
+              <p:ext uri="{386F3935-93C4-4BCD-93E2-E3B085C9AB24}">
+                <p16:designElem xmlns:p16="http://schemas.microsoft.com/office/powerpoint/2015/main" val="1"/>
+              </p:ext>
+            </p:extLst>
+          </p:nvPr>
+        </p:nvSpPr>
+        <p:spPr>
+          <a:xfrm>
+            <a:off x="5685810" y="513853"/>
+            <a:ext cx="6009366" cy="5834577"/>
+          </a:xfrm>
+          <a:prstGeom prst="rect">
+            <a:avLst/>
+          </a:prstGeom>
+          <a:solidFill>
+            <a:schemeClr val="bg1"/>
+          </a:solidFill>
+          <a:ln>
+            <a:noFill/>
+          </a:ln>
+          <a:effectLst>
+            <a:outerShdw blurRad="139700" dist="127000" dir="5400000" algn="t" rotWithShape="0">
+              <a:prstClr val="black">
+                <a:alpha val="15000"/>
+              </a:prstClr>
+            </a:outerShdw>
+          </a:effectLst>
+        </p:spPr>
+        <p:style>
+          <a:lnRef idx="2">
+            <a:schemeClr val="accent1">
+              <a:shade val="50000"/>
+            </a:schemeClr>
+          </a:lnRef>
+          <a:fillRef idx="1">
+            <a:schemeClr val="accent1"/>
+          </a:fillRef>
+          <a:effectRef idx="0">
+            <a:schemeClr val="accent1"/>
+          </a:effectRef>
+          <a:fontRef idx="minor">
+            <a:schemeClr val="lt1"/>
+          </a:fontRef>
+        </p:style>
+        <p:txBody>
+          <a:bodyPr rtlCol="0" anchor="ctr"/>
+          <a:lstStyle/>
+          <a:p>
+            <a:pPr algn="ctr"/>
+            <a:endParaRPr lang="en-US"/>
+          </a:p>
+        </p:txBody>
+      </p:sp>
+      <p:pic>
+        <p:nvPicPr>
+          <p:cNvPr id="5" name="תמונה 4">
+            <a:extLst>
+              <a:ext uri="{FF2B5EF4-FFF2-40B4-BE49-F238E27FC236}">
+                <a16:creationId xmlns:a16="http://schemas.microsoft.com/office/drawing/2014/main" id="{FA9911C3-1180-45FB-94E9-FBFEF36EDC0F}"/>
+              </a:ext>
+            </a:extLst>
+          </p:cNvPr>
+          <p:cNvPicPr>
+            <a:picLocks noChangeAspect="1"/>
+          </p:cNvPicPr>
+          <p:nvPr/>
+        </p:nvPicPr>
+        <p:blipFill rotWithShape="1">
+          <a:blip r:embed="rId2">
+            <a:extLst>
+              <a:ext uri="{28A0092B-C50C-407E-A947-70E740481C1C}">
+                <a14:useLocalDpi xmlns:a14="http://schemas.microsoft.com/office/drawing/2010/main" val="0"/>
+              </a:ext>
+            </a:extLst>
+          </a:blip>
+          <a:srcRect l="23718" r="-1" b="-1"/>
+          <a:stretch/>
+        </p:blipFill>
+        <p:spPr>
+          <a:xfrm>
+            <a:off x="5977788" y="799352"/>
+            <a:ext cx="5425410" cy="5259296"/>
+          </a:xfrm>
+          <a:prstGeom prst="rect">
+            <a:avLst/>
+          </a:prstGeom>
+        </p:spPr>
+      </p:pic>
+    </p:spTree>
+    <p:extLst>
+      <p:ext uri="{BB962C8B-B14F-4D97-AF65-F5344CB8AC3E}">
+        <p14:creationId xmlns:p14="http://schemas.microsoft.com/office/powerpoint/2010/main" val="158418843"/>
+      </p:ext>
+    </p:extLst>
+  </p:cSld>
+  <p:clrMapOvr>
+    <a:masterClrMapping/>
+  </p:clrMapOvr>
+</p:sld>
+</file>
+
+<file path=ppt/slides/slide8.xml><?xml version="1.0" encoding="utf-8"?>
+<p:sld xmlns:a="http://schemas.openxmlformats.org/drawingml/2006/main" xmlns:r="http://schemas.openxmlformats.org/officeDocument/2006/relationships" xmlns:p="http://schemas.openxmlformats.org/presentationml/2006/main">
+  <p:cSld>
+    <p:bg>
+      <p:bgPr>
+        <a:solidFill>
+          <a:schemeClr val="accent4">
+            <a:lumMod val="20000"/>
+            <a:lumOff val="80000"/>
+          </a:schemeClr>
+        </a:solidFill>
+        <a:effectLst/>
+      </p:bgPr>
+    </p:bg>
+    <p:spTree>
+      <p:nvGrpSpPr>
+        <p:cNvPr id="1" name=""/>
+        <p:cNvGrpSpPr/>
+        <p:nvPr/>
+      </p:nvGrpSpPr>
+      <p:grpSpPr>
+        <a:xfrm>
+          <a:off x="0" y="0"/>
+          <a:ext cx="0" cy="0"/>
+          <a:chOff x="0" y="0"/>
+          <a:chExt cx="0" cy="0"/>
+        </a:xfrm>
+      </p:grpSpPr>
+      <p:sp>
+        <p:nvSpPr>
+          <p:cNvPr id="15" name="Freeform: Shape 14">
+            <a:extLst>
+              <a:ext uri="{FF2B5EF4-FFF2-40B4-BE49-F238E27FC236}">
+                <a16:creationId xmlns:a16="http://schemas.microsoft.com/office/drawing/2014/main" id="{B670DBD5-770C-4383-9F54-5B86E86BD5BB}"/>
+              </a:ext>
+              <a:ext uri="{C183D7F6-B498-43B3-948B-1728B52AA6E4}">
+                <adec:decorative xmlns:adec="http://schemas.microsoft.com/office/drawing/2017/decorative" val="1"/>
+              </a:ext>
+            </a:extLst>
+          </p:cNvPr>
+          <p:cNvSpPr>
+            <a:spLocks noGrp="1" noRot="1" noChangeAspect="1" noMove="1" noResize="1" noEditPoints="1" noAdjustHandles="1" noChangeArrowheads="1" noChangeShapeType="1" noTextEdit="1"/>
+          </p:cNvSpPr>
+          <p:nvPr>
+            <p:extLst>
+              <p:ext uri="{386F3935-93C4-4BCD-93E2-E3B085C9AB24}">
+                <p16:designElem xmlns:p16="http://schemas.microsoft.com/office/powerpoint/2015/main" val="1"/>
+              </p:ext>
+            </p:extLst>
+          </p:nvPr>
+        </p:nvSpPr>
+        <p:spPr>
+          <a:xfrm>
+            <a:off x="1210277" y="0"/>
+            <a:ext cx="9771446" cy="6858000"/>
+          </a:xfrm>
+          <a:custGeom>
+            <a:avLst/>
+            <a:gdLst>
+              <a:gd name="connsiteX0" fmla="*/ 1422188 w 9771446"/>
+              <a:gd name="connsiteY0" fmla="*/ 0 h 6858000"/>
+              <a:gd name="connsiteX1" fmla="*/ 8349258 w 9771446"/>
+              <a:gd name="connsiteY1" fmla="*/ 0 h 6858000"/>
+              <a:gd name="connsiteX2" fmla="*/ 8502224 w 9771446"/>
+              <a:gd name="connsiteY2" fmla="*/ 159673 h 6858000"/>
+              <a:gd name="connsiteX3" fmla="*/ 9771446 w 9771446"/>
+              <a:gd name="connsiteY3" fmla="*/ 3429001 h 6858000"/>
+              <a:gd name="connsiteX4" fmla="*/ 8502224 w 9771446"/>
+              <a:gd name="connsiteY4" fmla="*/ 6698330 h 6858000"/>
+              <a:gd name="connsiteX5" fmla="*/ 8349260 w 9771446"/>
+              <a:gd name="connsiteY5" fmla="*/ 6858000 h 6858000"/>
+              <a:gd name="connsiteX6" fmla="*/ 1422186 w 9771446"/>
+              <a:gd name="connsiteY6" fmla="*/ 6858000 h 6858000"/>
+              <a:gd name="connsiteX7" fmla="*/ 1269223 w 9771446"/>
+              <a:gd name="connsiteY7" fmla="*/ 6698330 h 6858000"/>
+              <a:gd name="connsiteX8" fmla="*/ 0 w 9771446"/>
+              <a:gd name="connsiteY8" fmla="*/ 3429001 h 6858000"/>
+              <a:gd name="connsiteX9" fmla="*/ 1269223 w 9771446"/>
+              <a:gd name="connsiteY9" fmla="*/ 159673 h 6858000"/>
+            </a:gdLst>
+            <a:ahLst/>
+            <a:cxnLst>
+              <a:cxn ang="0">
+                <a:pos x="connsiteX0" y="connsiteY0"/>
+              </a:cxn>
+              <a:cxn ang="0">
+                <a:pos x="connsiteX1" y="connsiteY1"/>
+              </a:cxn>
+              <a:cxn ang="0">
+                <a:pos x="connsiteX2" y="connsiteY2"/>
+              </a:cxn>
+              <a:cxn ang="0">
+                <a:pos x="connsiteX3" y="connsiteY3"/>
+              </a:cxn>
+              <a:cxn ang="0">
+                <a:pos x="connsiteX4" y="connsiteY4"/>
+              </a:cxn>
+              <a:cxn ang="0">
+                <a:pos x="connsiteX5" y="connsiteY5"/>
+              </a:cxn>
+              <a:cxn ang="0">
+                <a:pos x="connsiteX6" y="connsiteY6"/>
+              </a:cxn>
+              <a:cxn ang="0">
+                <a:pos x="connsiteX7" y="connsiteY7"/>
+              </a:cxn>
+              <a:cxn ang="0">
+                <a:pos x="connsiteX8" y="connsiteY8"/>
+              </a:cxn>
+              <a:cxn ang="0">
+                <a:pos x="connsiteX9" y="connsiteY9"/>
+              </a:cxn>
+            </a:cxnLst>
+            <a:rect l="l" t="t" r="r" b="b"/>
+            <a:pathLst>
+              <a:path w="9771446" h="6858000">
+                <a:moveTo>
+                  <a:pt x="1422188" y="0"/>
+                </a:moveTo>
+                <a:lnTo>
+                  <a:pt x="8349258" y="0"/>
+                </a:lnTo>
+                <a:lnTo>
+                  <a:pt x="8502224" y="159673"/>
+                </a:lnTo>
+                <a:cubicBezTo>
+                  <a:pt x="9290813" y="1023162"/>
+                  <a:pt x="9771446" y="2170221"/>
+                  <a:pt x="9771446" y="3429001"/>
+                </a:cubicBezTo>
+                <a:cubicBezTo>
+                  <a:pt x="9771446" y="4687781"/>
+                  <a:pt x="9290813" y="5834840"/>
+                  <a:pt x="8502224" y="6698330"/>
+                </a:cubicBezTo>
+                <a:lnTo>
+                  <a:pt x="8349260" y="6858000"/>
+                </a:lnTo>
+                <a:lnTo>
+                  <a:pt x="1422186" y="6858000"/>
+                </a:lnTo>
+                <a:lnTo>
+                  <a:pt x="1269223" y="6698330"/>
+                </a:lnTo>
+                <a:cubicBezTo>
+                  <a:pt x="480633" y="5834840"/>
+                  <a:pt x="0" y="4687781"/>
+                  <a:pt x="0" y="3429001"/>
+                </a:cubicBezTo>
+                <a:cubicBezTo>
+                  <a:pt x="0" y="2170221"/>
+                  <a:pt x="480633" y="1023162"/>
+                  <a:pt x="1269223" y="159673"/>
+                </a:cubicBezTo>
+                <a:close/>
+              </a:path>
+            </a:pathLst>
+          </a:custGeom>
+          <a:solidFill>
+            <a:schemeClr val="bg1">
+              <a:lumMod val="85000"/>
+              <a:alpha val="62000"/>
             </a:schemeClr>
           </a:solidFill>
           <a:ln>
@@ -16315,20 +17455,104 @@
           </a:fontRef>
         </p:style>
         <p:txBody>
-          <a:bodyPr rtlCol="1" anchor="ctr"/>
+          <a:bodyPr wrap="square" rtlCol="0" anchor="ctr">
+            <a:noAutofit/>
+          </a:bodyPr>
           <a:lstStyle/>
           <a:p>
             <a:pPr algn="ctr"/>
-            <a:endParaRPr lang="he-IL"/>
-          </a:p>
-        </p:txBody>
-      </p:sp>
-      <p:sp>
-        <p:nvSpPr>
-          <p:cNvPr id="31" name="צורת L 30">
+            <a:endParaRPr lang="en-US"/>
+          </a:p>
+        </p:txBody>
+      </p:sp>
+      <p:pic>
+        <p:nvPicPr>
+          <p:cNvPr id="10" name="תמונה 9">
             <a:extLst>
               <a:ext uri="{FF2B5EF4-FFF2-40B4-BE49-F238E27FC236}">
-                <a16:creationId xmlns:a16="http://schemas.microsoft.com/office/drawing/2014/main" id="{6F9569DA-736C-4D0A-B7CD-7C36A333A46A}"/>
+                <a16:creationId xmlns:a16="http://schemas.microsoft.com/office/drawing/2014/main" id="{2F754514-2135-4EA9-9496-1510F1CB7F5B}"/>
+              </a:ext>
+            </a:extLst>
+          </p:cNvPr>
+          <p:cNvPicPr>
+            <a:picLocks noChangeAspect="1"/>
+          </p:cNvPicPr>
+          <p:nvPr/>
+        </p:nvPicPr>
+        <p:blipFill rotWithShape="1">
+          <a:blip r:embed="rId2">
+            <a:extLst>
+              <a:ext uri="{28A0092B-C50C-407E-A947-70E740481C1C}">
+                <a14:useLocalDpi xmlns:a14="http://schemas.microsoft.com/office/drawing/2010/main" val="0"/>
+              </a:ext>
+            </a:extLst>
+          </a:blip>
+          <a:srcRect r="9764" b="-1"/>
+          <a:stretch/>
+        </p:blipFill>
+        <p:spPr>
+          <a:xfrm>
+            <a:off x="1460597" y="10"/>
+            <a:ext cx="9270806" cy="6857990"/>
+          </a:xfrm>
+          <a:custGeom>
+            <a:avLst/>
+            <a:gdLst/>
+            <a:ahLst/>
+            <a:cxnLst/>
+            <a:rect l="l" t="t" r="r" b="b"/>
+            <a:pathLst>
+              <a:path w="9270806" h="6858000">
+                <a:moveTo>
+                  <a:pt x="1503712" y="0"/>
+                </a:moveTo>
+                <a:lnTo>
+                  <a:pt x="7767094" y="0"/>
+                </a:lnTo>
+                <a:lnTo>
+                  <a:pt x="7913128" y="139721"/>
+                </a:lnTo>
+                <a:cubicBezTo>
+                  <a:pt x="8751971" y="981521"/>
+                  <a:pt x="9270806" y="2144457"/>
+                  <a:pt x="9270806" y="3429000"/>
+                </a:cubicBezTo>
+                <a:cubicBezTo>
+                  <a:pt x="9270806" y="4713544"/>
+                  <a:pt x="8751971" y="5876479"/>
+                  <a:pt x="7913128" y="6718279"/>
+                </a:cubicBezTo>
+                <a:lnTo>
+                  <a:pt x="7767094" y="6858000"/>
+                </a:lnTo>
+                <a:lnTo>
+                  <a:pt x="1503712" y="6858000"/>
+                </a:lnTo>
+                <a:lnTo>
+                  <a:pt x="1357679" y="6718279"/>
+                </a:lnTo>
+                <a:cubicBezTo>
+                  <a:pt x="518835" y="5876479"/>
+                  <a:pt x="0" y="4713544"/>
+                  <a:pt x="0" y="3429000"/>
+                </a:cubicBezTo>
+                <a:cubicBezTo>
+                  <a:pt x="0" y="2144457"/>
+                  <a:pt x="518835" y="981521"/>
+                  <a:pt x="1357679" y="139721"/>
+                </a:cubicBezTo>
+                <a:close/>
+              </a:path>
+            </a:pathLst>
+          </a:custGeom>
+        </p:spPr>
+      </p:pic>
+      <p:sp>
+        <p:nvSpPr>
+          <p:cNvPr id="12" name="אליפסה 11">
+            <a:extLst>
+              <a:ext uri="{FF2B5EF4-FFF2-40B4-BE49-F238E27FC236}">
+                <a16:creationId xmlns:a16="http://schemas.microsoft.com/office/drawing/2014/main" id="{8B6F5EC3-C446-48C6-9851-BD60A610B674}"/>
               </a:ext>
             </a:extLst>
           </p:cNvPr>
@@ -16336,20 +17560,231 @@
           <p:nvPr/>
         </p:nvSpPr>
         <p:spPr>
-          <a:xfrm rot="10800000" flipV="1">
-            <a:off x="337637" y="5478362"/>
-            <a:ext cx="11124814" cy="1290962"/>
+          <a:xfrm rot="2542415">
+            <a:off x="9313081" y="6259099"/>
+            <a:ext cx="167052" cy="624118"/>
           </a:xfrm>
-          <a:prstGeom prst="corner">
-            <a:avLst>
-              <a:gd name="adj1" fmla="val 32953"/>
-              <a:gd name="adj2" fmla="val 183634"/>
-            </a:avLst>
+          <a:prstGeom prst="ellipse">
+            <a:avLst/>
           </a:prstGeom>
           <a:solidFill>
-            <a:schemeClr val="accent6">
-              <a:lumMod val="20000"/>
-              <a:lumOff val="80000"/>
+            <a:schemeClr val="bg1"/>
+          </a:solidFill>
+          <a:ln>
+            <a:noFill/>
+          </a:ln>
+        </p:spPr>
+        <p:style>
+          <a:lnRef idx="2">
+            <a:schemeClr val="accent1">
+              <a:shade val="50000"/>
+            </a:schemeClr>
+          </a:lnRef>
+          <a:fillRef idx="1">
+            <a:schemeClr val="accent1"/>
+          </a:fillRef>
+          <a:effectRef idx="0">
+            <a:schemeClr val="accent1"/>
+          </a:effectRef>
+          <a:fontRef idx="minor">
+            <a:schemeClr val="lt1"/>
+          </a:fontRef>
+        </p:style>
+        <p:txBody>
+          <a:bodyPr rtlCol="1" anchor="ctr"/>
+          <a:lstStyle/>
+          <a:p>
+            <a:pPr algn="ctr"/>
+            <a:endParaRPr lang="he-IL"/>
+          </a:p>
+        </p:txBody>
+      </p:sp>
+    </p:spTree>
+    <p:extLst>
+      <p:ext uri="{BB962C8B-B14F-4D97-AF65-F5344CB8AC3E}">
+        <p14:creationId xmlns:p14="http://schemas.microsoft.com/office/powerpoint/2010/main" val="4082266199"/>
+      </p:ext>
+    </p:extLst>
+  </p:cSld>
+  <p:clrMapOvr>
+    <a:masterClrMapping/>
+  </p:clrMapOvr>
+</p:sld>
+</file>
+
+<file path=ppt/slides/slide9.xml><?xml version="1.0" encoding="utf-8"?>
+<p:sld xmlns:a="http://schemas.openxmlformats.org/drawingml/2006/main" xmlns:r="http://schemas.openxmlformats.org/officeDocument/2006/relationships" xmlns:p="http://schemas.openxmlformats.org/presentationml/2006/main">
+  <p:cSld>
+    <p:bg>
+      <p:bgPr>
+        <a:solidFill>
+          <a:schemeClr val="bg1"/>
+        </a:solidFill>
+        <a:effectLst/>
+      </p:bgPr>
+    </p:bg>
+    <p:spTree>
+      <p:nvGrpSpPr>
+        <p:cNvPr id="1" name=""/>
+        <p:cNvGrpSpPr/>
+        <p:nvPr/>
+      </p:nvGrpSpPr>
+      <p:grpSpPr>
+        <a:xfrm>
+          <a:off x="0" y="0"/>
+          <a:ext cx="0" cy="0"/>
+          <a:chOff x="0" y="0"/>
+          <a:chExt cx="0" cy="0"/>
+        </a:xfrm>
+      </p:grpSpPr>
+      <p:sp>
+        <p:nvSpPr>
+          <p:cNvPr id="10" name="Rectangle 9">
+            <a:extLst>
+              <a:ext uri="{FF2B5EF4-FFF2-40B4-BE49-F238E27FC236}">
+                <a16:creationId xmlns:a16="http://schemas.microsoft.com/office/drawing/2014/main" id="{F3060C83-F051-4F0E-ABAD-AA0DFC48B218}"/>
+              </a:ext>
+              <a:ext uri="{C183D7F6-B498-43B3-948B-1728B52AA6E4}">
+                <adec:decorative xmlns:adec="http://schemas.microsoft.com/office/drawing/2017/decorative" val="1"/>
+              </a:ext>
+            </a:extLst>
+          </p:cNvPr>
+          <p:cNvSpPr>
+            <a:spLocks noGrp="1" noRot="1" noChangeAspect="1" noMove="1" noResize="1" noEditPoints="1" noAdjustHandles="1" noChangeArrowheads="1" noChangeShapeType="1" noTextEdit="1"/>
+          </p:cNvSpPr>
+          <p:nvPr>
+            <p:extLst>
+              <p:ext uri="{386F3935-93C4-4BCD-93E2-E3B085C9AB24}">
+                <p16:designElem xmlns:p16="http://schemas.microsoft.com/office/powerpoint/2015/main" val="1"/>
+              </p:ext>
+            </p:extLst>
+          </p:nvPr>
+        </p:nvSpPr>
+        <p:spPr>
+          <a:xfrm>
+            <a:off x="0" y="0"/>
+            <a:ext cx="12192000" cy="6858000"/>
+          </a:xfrm>
+          <a:prstGeom prst="rect">
+            <a:avLst/>
+          </a:prstGeom>
+          <a:solidFill>
+            <a:schemeClr val="bg1"/>
+          </a:solidFill>
+          <a:ln>
+            <a:noFill/>
+          </a:ln>
+        </p:spPr>
+        <p:style>
+          <a:lnRef idx="2">
+            <a:schemeClr val="accent1">
+              <a:shade val="50000"/>
+            </a:schemeClr>
+          </a:lnRef>
+          <a:fillRef idx="1">
+            <a:schemeClr val="accent1"/>
+          </a:fillRef>
+          <a:effectRef idx="0">
+            <a:schemeClr val="accent1"/>
+          </a:effectRef>
+          <a:fontRef idx="minor">
+            <a:schemeClr val="lt1"/>
+          </a:fontRef>
+        </p:style>
+        <p:txBody>
+          <a:bodyPr rtlCol="0" anchor="ctr"/>
+          <a:lstStyle/>
+          <a:p>
+            <a:pPr algn="ctr"/>
+            <a:endParaRPr lang="en-US" dirty="0"/>
+          </a:p>
+        </p:txBody>
+      </p:sp>
+      <p:sp>
+        <p:nvSpPr>
+          <p:cNvPr id="15" name="Freeform: Shape 11">
+            <a:extLst>
+              <a:ext uri="{FF2B5EF4-FFF2-40B4-BE49-F238E27FC236}">
+                <a16:creationId xmlns:a16="http://schemas.microsoft.com/office/drawing/2014/main" id="{83C98ABE-055B-441F-B07E-44F97F083C39}"/>
+              </a:ext>
+              <a:ext uri="{C183D7F6-B498-43B3-948B-1728B52AA6E4}">
+                <adec:decorative xmlns:adec="http://schemas.microsoft.com/office/drawing/2017/decorative" val="1"/>
+              </a:ext>
+            </a:extLst>
+          </p:cNvPr>
+          <p:cNvSpPr>
+            <a:spLocks noGrp="1" noRot="1" noChangeAspect="1" noMove="1" noResize="1" noEditPoints="1" noAdjustHandles="1" noChangeArrowheads="1" noChangeShapeType="1" noTextEdit="1"/>
+          </p:cNvSpPr>
+          <p:nvPr>
+            <p:extLst>
+              <p:ext uri="{386F3935-93C4-4BCD-93E2-E3B085C9AB24}">
+                <p16:designElem xmlns:p16="http://schemas.microsoft.com/office/powerpoint/2015/main" val="1"/>
+              </p:ext>
+            </p:extLst>
+          </p:nvPr>
+        </p:nvSpPr>
+        <p:spPr>
+          <a:xfrm rot="18900000" flipH="1">
+            <a:off x="-376156" y="-253670"/>
+            <a:ext cx="1827638" cy="1376989"/>
+          </a:xfrm>
+          <a:custGeom>
+            <a:avLst/>
+            <a:gdLst>
+              <a:gd name="connsiteX0" fmla="*/ 0 w 1827638"/>
+              <a:gd name="connsiteY0" fmla="*/ 987379 h 1376989"/>
+              <a:gd name="connsiteX1" fmla="*/ 987379 w 1827638"/>
+              <a:gd name="connsiteY1" fmla="*/ 0 h 1376989"/>
+              <a:gd name="connsiteX2" fmla="*/ 1827638 w 1827638"/>
+              <a:gd name="connsiteY2" fmla="*/ 840260 h 1376989"/>
+              <a:gd name="connsiteX3" fmla="*/ 1827638 w 1827638"/>
+              <a:gd name="connsiteY3" fmla="*/ 1376989 h 1376989"/>
+              <a:gd name="connsiteX4" fmla="*/ 0 w 1827638"/>
+              <a:gd name="connsiteY4" fmla="*/ 1376989 h 1376989"/>
+            </a:gdLst>
+            <a:ahLst/>
+            <a:cxnLst>
+              <a:cxn ang="0">
+                <a:pos x="connsiteX0" y="connsiteY0"/>
+              </a:cxn>
+              <a:cxn ang="0">
+                <a:pos x="connsiteX1" y="connsiteY1"/>
+              </a:cxn>
+              <a:cxn ang="0">
+                <a:pos x="connsiteX2" y="connsiteY2"/>
+              </a:cxn>
+              <a:cxn ang="0">
+                <a:pos x="connsiteX3" y="connsiteY3"/>
+              </a:cxn>
+              <a:cxn ang="0">
+                <a:pos x="connsiteX4" y="connsiteY4"/>
+              </a:cxn>
+            </a:cxnLst>
+            <a:rect l="l" t="t" r="r" b="b"/>
+            <a:pathLst>
+              <a:path w="1827638" h="1376989">
+                <a:moveTo>
+                  <a:pt x="0" y="987379"/>
+                </a:moveTo>
+                <a:lnTo>
+                  <a:pt x="987379" y="0"/>
+                </a:lnTo>
+                <a:lnTo>
+                  <a:pt x="1827638" y="840260"/>
+                </a:lnTo>
+                <a:lnTo>
+                  <a:pt x="1827638" y="1376989"/>
+                </a:lnTo>
+                <a:lnTo>
+                  <a:pt x="0" y="1376989"/>
+                </a:lnTo>
+                <a:close/>
+              </a:path>
+            </a:pathLst>
+          </a:custGeom>
+          <a:solidFill>
+            <a:schemeClr val="accent1">
+              <a:alpha val="30000"/>
             </a:schemeClr>
           </a:solidFill>
           <a:ln>
@@ -16373,41 +17808,48 @@
           </a:fontRef>
         </p:style>
         <p:txBody>
-          <a:bodyPr rtlCol="1" anchor="ctr"/>
+          <a:bodyPr rtlCol="0" anchor="ctr"/>
           <a:lstStyle/>
           <a:p>
             <a:pPr algn="ctr"/>
-            <a:endParaRPr lang="he-IL"/>
-          </a:p>
-        </p:txBody>
-      </p:sp>
-      <p:sp>
-        <p:nvSpPr>
-          <p:cNvPr id="32" name="צורת L 31">
+            <a:endParaRPr lang="en-US" dirty="0"/>
+          </a:p>
+        </p:txBody>
+      </p:sp>
+      <p:sp>
+        <p:nvSpPr>
+          <p:cNvPr id="14" name="Rectangle 13">
             <a:extLst>
               <a:ext uri="{FF2B5EF4-FFF2-40B4-BE49-F238E27FC236}">
-                <a16:creationId xmlns:a16="http://schemas.microsoft.com/office/drawing/2014/main" id="{0976F95C-B602-4658-8145-E724426FC4D1}"/>
+                <a16:creationId xmlns:a16="http://schemas.microsoft.com/office/drawing/2014/main" id="{29FDB030-9B49-4CED-8CCD-4D99382388AC}"/>
+              </a:ext>
+              <a:ext uri="{C183D7F6-B498-43B3-948B-1728B52AA6E4}">
+                <adec:decorative xmlns:adec="http://schemas.microsoft.com/office/drawing/2017/decorative" val="1"/>
               </a:ext>
             </a:extLst>
           </p:cNvPr>
-          <p:cNvSpPr/>
-          <p:nvPr/>
+          <p:cNvSpPr>
+            <a:spLocks noGrp="1" noRot="1" noChangeAspect="1" noMove="1" noResize="1" noEditPoints="1" noAdjustHandles="1" noChangeArrowheads="1" noChangeShapeType="1" noTextEdit="1"/>
+          </p:cNvSpPr>
+          <p:nvPr>
+            <p:extLst>
+              <p:ext uri="{386F3935-93C4-4BCD-93E2-E3B085C9AB24}">
+                <p16:designElem xmlns:p16="http://schemas.microsoft.com/office/powerpoint/2015/main" val="1"/>
+              </p:ext>
+            </p:extLst>
+          </p:nvPr>
         </p:nvSpPr>
         <p:spPr>
-          <a:xfrm rot="5400000">
-            <a:off x="-17127" y="3395562"/>
-            <a:ext cx="3582958" cy="2950037"/>
+          <a:xfrm rot="18900000" flipH="1">
+            <a:off x="891641" y="422146"/>
+            <a:ext cx="645368" cy="645368"/>
           </a:xfrm>
-          <a:prstGeom prst="corner">
-            <a:avLst>
-              <a:gd name="adj1" fmla="val 15522"/>
-              <a:gd name="adj2" fmla="val 13363"/>
-            </a:avLst>
+          <a:prstGeom prst="rect">
+            <a:avLst/>
           </a:prstGeom>
           <a:solidFill>
             <a:schemeClr val="accent1">
-              <a:lumMod val="20000"/>
-              <a:lumOff val="80000"/>
+              <a:alpha val="30000"/>
             </a:schemeClr>
           </a:solidFill>
           <a:ln>
@@ -16431,41 +17873,48 @@
           </a:fontRef>
         </p:style>
         <p:txBody>
-          <a:bodyPr rtlCol="1" anchor="ctr"/>
+          <a:bodyPr rtlCol="0" anchor="ctr"/>
           <a:lstStyle/>
           <a:p>
             <a:pPr algn="ctr"/>
-            <a:endParaRPr lang="he-IL"/>
-          </a:p>
-        </p:txBody>
-      </p:sp>
-      <p:sp>
-        <p:nvSpPr>
-          <p:cNvPr id="34" name="צורת L 33">
+            <a:endParaRPr lang="en-US"/>
+          </a:p>
+        </p:txBody>
+      </p:sp>
+      <p:sp>
+        <p:nvSpPr>
+          <p:cNvPr id="16" name="Rectangle 15">
             <a:extLst>
               <a:ext uri="{FF2B5EF4-FFF2-40B4-BE49-F238E27FC236}">
-                <a16:creationId xmlns:a16="http://schemas.microsoft.com/office/drawing/2014/main" id="{29C135B0-B596-4C51-B209-167B3F5BF158}"/>
+                <a16:creationId xmlns:a16="http://schemas.microsoft.com/office/drawing/2014/main" id="{3783CA14-24A1-485C-8B30-D6A5D87987AD}"/>
+              </a:ext>
+              <a:ext uri="{C183D7F6-B498-43B3-948B-1728B52AA6E4}">
+                <adec:decorative xmlns:adec="http://schemas.microsoft.com/office/drawing/2017/decorative" val="1"/>
               </a:ext>
             </a:extLst>
           </p:cNvPr>
-          <p:cNvSpPr/>
-          <p:nvPr/>
+          <p:cNvSpPr>
+            <a:spLocks noGrp="1" noRot="1" noChangeAspect="1" noMove="1" noResize="1" noEditPoints="1" noAdjustHandles="1" noChangeArrowheads="1" noChangeShapeType="1" noTextEdit="1"/>
+          </p:cNvSpPr>
+          <p:nvPr>
+            <p:extLst>
+              <p:ext uri="{386F3935-93C4-4BCD-93E2-E3B085C9AB24}">
+                <p16:designElem xmlns:p16="http://schemas.microsoft.com/office/powerpoint/2015/main" val="1"/>
+              </p:ext>
+            </p:extLst>
+          </p:nvPr>
         </p:nvSpPr>
         <p:spPr>
-          <a:xfrm rot="5400000">
-            <a:off x="1311976" y="3856393"/>
-            <a:ext cx="1126163" cy="2296119"/>
+          <a:xfrm rot="18900000" flipH="1">
+            <a:off x="10043482" y="655140"/>
+            <a:ext cx="687472" cy="687472"/>
           </a:xfrm>
-          <a:prstGeom prst="corner">
-            <a:avLst>
-              <a:gd name="adj1" fmla="val 138445"/>
-              <a:gd name="adj2" fmla="val 13363"/>
-            </a:avLst>
+          <a:prstGeom prst="rect">
+            <a:avLst/>
           </a:prstGeom>
           <a:solidFill>
-            <a:schemeClr val="accent6">
-              <a:lumMod val="20000"/>
-              <a:lumOff val="80000"/>
+            <a:schemeClr val="accent4">
+              <a:alpha val="30000"/>
             </a:schemeClr>
           </a:solidFill>
           <a:ln>
@@ -16489,18 +17938,297 @@
           </a:fontRef>
         </p:style>
         <p:txBody>
-          <a:bodyPr rtlCol="1" anchor="ctr"/>
+          <a:bodyPr rtlCol="0" anchor="ctr"/>
           <a:lstStyle/>
           <a:p>
             <a:pPr algn="ctr"/>
-            <a:endParaRPr lang="he-IL"/>
+            <a:endParaRPr lang="en-US"/>
+          </a:p>
+        </p:txBody>
+      </p:sp>
+      <p:sp>
+        <p:nvSpPr>
+          <p:cNvPr id="18" name="Freeform: Shape 17">
+            <a:extLst>
+              <a:ext uri="{FF2B5EF4-FFF2-40B4-BE49-F238E27FC236}">
+                <a16:creationId xmlns:a16="http://schemas.microsoft.com/office/drawing/2014/main" id="{9A97C86A-04D6-40F7-AE84-31AB43E6A846}"/>
+              </a:ext>
+              <a:ext uri="{C183D7F6-B498-43B3-948B-1728B52AA6E4}">
+                <adec:decorative xmlns:adec="http://schemas.microsoft.com/office/drawing/2017/decorative" val="1"/>
+              </a:ext>
+            </a:extLst>
+          </p:cNvPr>
+          <p:cNvSpPr>
+            <a:spLocks noGrp="1" noRot="1" noChangeAspect="1" noMove="1" noResize="1" noEditPoints="1" noAdjustHandles="1" noChangeArrowheads="1" noChangeShapeType="1" noTextEdit="1"/>
+          </p:cNvSpPr>
+          <p:nvPr>
+            <p:extLst>
+              <p:ext uri="{386F3935-93C4-4BCD-93E2-E3B085C9AB24}">
+                <p16:designElem xmlns:p16="http://schemas.microsoft.com/office/powerpoint/2015/main" val="1"/>
+              </p:ext>
+            </p:extLst>
+          </p:nvPr>
+        </p:nvSpPr>
+        <p:spPr>
+          <a:xfrm rot="10800000" flipH="1">
+            <a:off x="9356643" y="0"/>
+            <a:ext cx="2835357" cy="1480837"/>
+          </a:xfrm>
+          <a:custGeom>
+            <a:avLst/>
+            <a:gdLst>
+              <a:gd name="connsiteX0" fmla="*/ 2835357 w 2835357"/>
+              <a:gd name="connsiteY0" fmla="*/ 1480837 h 1480837"/>
+              <a:gd name="connsiteX1" fmla="*/ 0 w 2835357"/>
+              <a:gd name="connsiteY1" fmla="*/ 1480837 h 1480837"/>
+              <a:gd name="connsiteX2" fmla="*/ 1552727 w 2835357"/>
+              <a:gd name="connsiteY2" fmla="*/ 0 h 1480837"/>
+              <a:gd name="connsiteX3" fmla="*/ 2835357 w 2835357"/>
+              <a:gd name="connsiteY3" fmla="*/ 1223245 h 1480837"/>
+            </a:gdLst>
+            <a:ahLst/>
+            <a:cxnLst>
+              <a:cxn ang="0">
+                <a:pos x="connsiteX0" y="connsiteY0"/>
+              </a:cxn>
+              <a:cxn ang="0">
+                <a:pos x="connsiteX1" y="connsiteY1"/>
+              </a:cxn>
+              <a:cxn ang="0">
+                <a:pos x="connsiteX2" y="connsiteY2"/>
+              </a:cxn>
+              <a:cxn ang="0">
+                <a:pos x="connsiteX3" y="connsiteY3"/>
+              </a:cxn>
+            </a:cxnLst>
+            <a:rect l="l" t="t" r="r" b="b"/>
+            <a:pathLst>
+              <a:path w="2835357" h="1480837">
+                <a:moveTo>
+                  <a:pt x="2835357" y="1480837"/>
+                </a:moveTo>
+                <a:lnTo>
+                  <a:pt x="0" y="1480837"/>
+                </a:lnTo>
+                <a:lnTo>
+                  <a:pt x="1552727" y="0"/>
+                </a:lnTo>
+                <a:lnTo>
+                  <a:pt x="2835357" y="1223245"/>
+                </a:lnTo>
+                <a:close/>
+              </a:path>
+            </a:pathLst>
+          </a:custGeom>
+          <a:solidFill>
+            <a:schemeClr val="accent4">
+              <a:alpha val="30000"/>
+            </a:schemeClr>
+          </a:solidFill>
+          <a:ln>
+            <a:noFill/>
+          </a:ln>
+        </p:spPr>
+        <p:style>
+          <a:lnRef idx="2">
+            <a:schemeClr val="accent1">
+              <a:shade val="50000"/>
+            </a:schemeClr>
+          </a:lnRef>
+          <a:fillRef idx="1">
+            <a:schemeClr val="accent1"/>
+          </a:fillRef>
+          <a:effectRef idx="0">
+            <a:schemeClr val="accent1"/>
+          </a:effectRef>
+          <a:fontRef idx="minor">
+            <a:schemeClr val="lt1"/>
+          </a:fontRef>
+        </p:style>
+        <p:txBody>
+          <a:bodyPr wrap="square" rtlCol="0" anchor="ctr">
+            <a:noAutofit/>
+          </a:bodyPr>
+          <a:lstStyle/>
+          <a:p>
+            <a:pPr algn="ctr"/>
+            <a:endParaRPr lang="en-US" dirty="0"/>
+          </a:p>
+        </p:txBody>
+      </p:sp>
+      <p:sp>
+        <p:nvSpPr>
+          <p:cNvPr id="20" name="Isosceles Triangle 19">
+            <a:extLst>
+              <a:ext uri="{FF2B5EF4-FFF2-40B4-BE49-F238E27FC236}">
+                <a16:creationId xmlns:a16="http://schemas.microsoft.com/office/drawing/2014/main" id="{FF9F2414-84E8-453E-B1F3-389FDE8192D9}"/>
+              </a:ext>
+              <a:ext uri="{C183D7F6-B498-43B3-948B-1728B52AA6E4}">
+                <adec:decorative xmlns:adec="http://schemas.microsoft.com/office/drawing/2017/decorative" val="1"/>
+              </a:ext>
+            </a:extLst>
+          </p:cNvPr>
+          <p:cNvSpPr>
+            <a:spLocks noGrp="1" noRot="1" noChangeAspect="1" noMove="1" noResize="1" noEditPoints="1" noAdjustHandles="1" noChangeArrowheads="1" noChangeShapeType="1" noTextEdit="1"/>
+          </p:cNvSpPr>
+          <p:nvPr>
+            <p:extLst>
+              <p:ext uri="{386F3935-93C4-4BCD-93E2-E3B085C9AB24}">
+                <p16:designElem xmlns:p16="http://schemas.microsoft.com/office/powerpoint/2015/main" val="1"/>
+              </p:ext>
+            </p:extLst>
+          </p:nvPr>
+        </p:nvSpPr>
+        <p:spPr>
+          <a:xfrm flipH="1">
+            <a:off x="7976344" y="6115501"/>
+            <a:ext cx="1494513" cy="742499"/>
+          </a:xfrm>
+          <a:prstGeom prst="triangle">
+            <a:avLst/>
+          </a:prstGeom>
+          <a:solidFill>
+            <a:schemeClr val="accent1">
+              <a:alpha val="30000"/>
+            </a:schemeClr>
+          </a:solidFill>
+          <a:ln>
+            <a:noFill/>
+          </a:ln>
+        </p:spPr>
+        <p:style>
+          <a:lnRef idx="2">
+            <a:schemeClr val="accent1">
+              <a:shade val="50000"/>
+            </a:schemeClr>
+          </a:lnRef>
+          <a:fillRef idx="1">
+            <a:schemeClr val="accent1"/>
+          </a:fillRef>
+          <a:effectRef idx="0">
+            <a:schemeClr val="accent1"/>
+          </a:effectRef>
+          <a:fontRef idx="minor">
+            <a:schemeClr val="lt1"/>
+          </a:fontRef>
+        </p:style>
+        <p:txBody>
+          <a:bodyPr rtlCol="0" anchor="ctr"/>
+          <a:lstStyle/>
+          <a:p>
+            <a:pPr algn="ctr"/>
+            <a:endParaRPr lang="en-US"/>
+          </a:p>
+        </p:txBody>
+      </p:sp>
+      <p:pic>
+        <p:nvPicPr>
+          <p:cNvPr id="5" name="תמונה 4">
+            <a:extLst>
+              <a:ext uri="{FF2B5EF4-FFF2-40B4-BE49-F238E27FC236}">
+                <a16:creationId xmlns:a16="http://schemas.microsoft.com/office/drawing/2014/main" id="{233BB5AA-1EEE-43C2-A128-C79AC3F2877F}"/>
+              </a:ext>
+            </a:extLst>
+          </p:cNvPr>
+          <p:cNvPicPr>
+            <a:picLocks noChangeAspect="1"/>
+          </p:cNvPicPr>
+          <p:nvPr/>
+        </p:nvPicPr>
+        <p:blipFill>
+          <a:blip r:embed="rId2">
+            <a:extLst>
+              <a:ext uri="{28A0092B-C50C-407E-A947-70E740481C1C}">
+                <a14:useLocalDpi xmlns:a14="http://schemas.microsoft.com/office/drawing/2010/main" val="0"/>
+              </a:ext>
+            </a:extLst>
+          </a:blip>
+          <a:stretch>
+            <a:fillRect/>
+          </a:stretch>
+        </p:blipFill>
+        <p:spPr>
+          <a:xfrm>
+            <a:off x="1656904" y="643467"/>
+            <a:ext cx="8878191" cy="5571065"/>
+          </a:xfrm>
+          <a:prstGeom prst="rect">
+            <a:avLst/>
+          </a:prstGeom>
+          <a:ln>
+            <a:noFill/>
+          </a:ln>
+        </p:spPr>
+      </p:pic>
+      <p:sp>
+        <p:nvSpPr>
+          <p:cNvPr id="22" name="Isosceles Triangle 21">
+            <a:extLst>
+              <a:ext uri="{FF2B5EF4-FFF2-40B4-BE49-F238E27FC236}">
+                <a16:creationId xmlns:a16="http://schemas.microsoft.com/office/drawing/2014/main" id="{3ECA69A1-7536-43AC-85EF-C7106179F5ED}"/>
+              </a:ext>
+              <a:ext uri="{C183D7F6-B498-43B3-948B-1728B52AA6E4}">
+                <adec:decorative xmlns:adec="http://schemas.microsoft.com/office/drawing/2017/decorative" val="1"/>
+              </a:ext>
+            </a:extLst>
+          </p:cNvPr>
+          <p:cNvSpPr>
+            <a:spLocks noGrp="1" noRot="1" noChangeAspect="1" noMove="1" noResize="1" noEditPoints="1" noAdjustHandles="1" noChangeArrowheads="1" noChangeShapeType="1" noTextEdit="1"/>
+          </p:cNvSpPr>
+          <p:nvPr>
+            <p:extLst>
+              <p:ext uri="{386F3935-93C4-4BCD-93E2-E3B085C9AB24}">
+                <p16:designElem xmlns:p16="http://schemas.microsoft.com/office/powerpoint/2015/main" val="1"/>
+              </p:ext>
+            </p:extLst>
+          </p:nvPr>
+        </p:nvSpPr>
+        <p:spPr>
+          <a:xfrm flipH="1">
+            <a:off x="7604080" y="6453143"/>
+            <a:ext cx="814903" cy="404857"/>
+          </a:xfrm>
+          <a:prstGeom prst="triangle">
+            <a:avLst/>
+          </a:prstGeom>
+          <a:solidFill>
+            <a:schemeClr val="accent1">
+              <a:alpha val="30000"/>
+            </a:schemeClr>
+          </a:solidFill>
+          <a:ln>
+            <a:noFill/>
+          </a:ln>
+        </p:spPr>
+        <p:style>
+          <a:lnRef idx="2">
+            <a:schemeClr val="accent1">
+              <a:shade val="50000"/>
+            </a:schemeClr>
+          </a:lnRef>
+          <a:fillRef idx="1">
+            <a:schemeClr val="accent1"/>
+          </a:fillRef>
+          <a:effectRef idx="0">
+            <a:schemeClr val="accent1"/>
+          </a:effectRef>
+          <a:fontRef idx="minor">
+            <a:schemeClr val="lt1"/>
+          </a:fontRef>
+        </p:style>
+        <p:txBody>
+          <a:bodyPr rtlCol="0" anchor="ctr"/>
+          <a:lstStyle/>
+          <a:p>
+            <a:pPr algn="ctr"/>
+            <a:endParaRPr lang="en-US"/>
           </a:p>
         </p:txBody>
       </p:sp>
     </p:spTree>
     <p:extLst>
       <p:ext uri="{BB962C8B-B14F-4D97-AF65-F5344CB8AC3E}">
-        <p14:creationId xmlns:p14="http://schemas.microsoft.com/office/powerpoint/2010/main" val="1123204905"/>
+        <p14:creationId xmlns:p14="http://schemas.microsoft.com/office/powerpoint/2010/main" val="4181460852"/>
       </p:ext>
     </p:extLst>
   </p:cSld>
